--- a/lesson23.pptx
+++ b/lesson23.pptx
@@ -5,7 +5,7 @@
     <p:sldMasterId id="2147483648" r:id="rId1"/>
   </p:sldMasterIdLst>
   <p:notesMasterIdLst>
-    <p:notesMasterId r:id="rId14"/>
+    <p:notesMasterId r:id="rId15"/>
   </p:notesMasterIdLst>
   <p:sldIdLst>
     <p:sldId id="376" r:id="rId2"/>
@@ -15,11 +15,12 @@
     <p:sldId id="380" r:id="rId6"/>
     <p:sldId id="381" r:id="rId7"/>
     <p:sldId id="382" r:id="rId8"/>
-    <p:sldId id="383" r:id="rId9"/>
-    <p:sldId id="384" r:id="rId10"/>
-    <p:sldId id="385" r:id="rId11"/>
-    <p:sldId id="346" r:id="rId12"/>
-    <p:sldId id="336" r:id="rId13"/>
+    <p:sldId id="386" r:id="rId9"/>
+    <p:sldId id="383" r:id="rId10"/>
+    <p:sldId id="384" r:id="rId11"/>
+    <p:sldId id="385" r:id="rId12"/>
+    <p:sldId id="346" r:id="rId13"/>
+    <p:sldId id="336" r:id="rId14"/>
   </p:sldIdLst>
   <p:sldSz cx="12192000" cy="6858000"/>
   <p:notesSz cx="6858000" cy="9144000"/>
@@ -3878,6 +3879,97 @@
       </p:grpSpPr>
       <p:sp>
         <p:nvSpPr>
+          <p:cNvPr id="5" name="Прямоугольник 4"/>
+          <p:cNvSpPr/>
+          <p:nvPr/>
+        </p:nvSpPr>
+        <p:spPr>
+          <a:xfrm>
+            <a:off x="0" y="0"/>
+            <a:ext cx="12192000" cy="6858000"/>
+          </a:xfrm>
+          <a:prstGeom prst="rect">
+            <a:avLst/>
+          </a:prstGeom>
+          <a:solidFill>
+            <a:schemeClr val="tx2">
+              <a:lumMod val="75000"/>
+            </a:schemeClr>
+          </a:solidFill>
+        </p:spPr>
+        <p:style>
+          <a:lnRef idx="2">
+            <a:schemeClr val="accent1">
+              <a:shade val="50000"/>
+            </a:schemeClr>
+          </a:lnRef>
+          <a:fillRef idx="1">
+            <a:schemeClr val="accent1"/>
+          </a:fillRef>
+          <a:effectRef idx="0">
+            <a:schemeClr val="accent1"/>
+          </a:effectRef>
+          <a:fontRef idx="minor">
+            <a:schemeClr val="lt1"/>
+          </a:fontRef>
+        </p:style>
+        <p:txBody>
+          <a:bodyPr rtlCol="0" anchor="ctr"/>
+          <a:lstStyle/>
+          <a:p>
+            <a:pPr algn="ctr"/>
+            <a:r>
+              <a:rPr lang="en-US" sz="6000" b="1" dirty="0" smtClean="0"/>
+              <a:t>3</a:t>
+            </a:r>
+            <a:r>
+              <a:rPr lang="ru-RU" sz="6000" b="1" smtClean="0"/>
+              <a:t>. </a:t>
+            </a:r>
+            <a:r>
+              <a:rPr lang="ru-RU" sz="6000" b="1" dirty="0" smtClean="0"/>
+              <a:t>Немного практики </a:t>
+            </a:r>
+            <a:r>
+              <a:rPr lang="en-US" sz="6000" b="1" dirty="0" smtClean="0"/>
+              <a:t>#2</a:t>
+            </a:r>
+            <a:endParaRPr lang="uk-UA" sz="6000" b="1" dirty="0"/>
+          </a:p>
+        </p:txBody>
+      </p:sp>
+    </p:spTree>
+    <p:extLst>
+      <p:ext uri="{BB962C8B-B14F-4D97-AF65-F5344CB8AC3E}">
+        <p14:creationId xmlns:p14="http://schemas.microsoft.com/office/powerpoint/2010/main" val="931519920"/>
+      </p:ext>
+    </p:extLst>
+  </p:cSld>
+  <p:clrMapOvr>
+    <a:masterClrMapping/>
+  </p:clrMapOvr>
+</p:sld>
+</file>
+
+<file path=ppt/slides/slide11.xml><?xml version="1.0" encoding="utf-8"?>
+<p:sld xmlns:a="http://schemas.openxmlformats.org/drawingml/2006/main" xmlns:r="http://schemas.openxmlformats.org/officeDocument/2006/relationships" xmlns:p="http://schemas.openxmlformats.org/presentationml/2006/main">
+  <p:cSld>
+    <p:spTree>
+      <p:nvGrpSpPr>
+        <p:cNvPr id="1" name=""/>
+        <p:cNvGrpSpPr/>
+        <p:nvPr/>
+      </p:nvGrpSpPr>
+      <p:grpSpPr>
+        <a:xfrm>
+          <a:off x="0" y="0"/>
+          <a:ext cx="0" cy="0"/>
+          <a:chOff x="0" y="0"/>
+          <a:chExt cx="0" cy="0"/>
+        </a:xfrm>
+      </p:grpSpPr>
+      <p:sp>
+        <p:nvSpPr>
           <p:cNvPr id="7" name="Номер слайда 36"/>
           <p:cNvSpPr txBox="1">
             <a:spLocks/>
@@ -3934,7 +4026,7 @@
               <a:pPr algn="ctr">
                 <a:defRPr/>
               </a:pPr>
-              <a:t>10</a:t>
+              <a:t>11</a:t>
             </a:fld>
             <a:endParaRPr lang="uk-UA" sz="2400" b="1" dirty="0">
               <a:solidFill>
@@ -4010,10 +4102,6 @@
             <a:r>
               <a:rPr lang="ru-RU" sz="2400" dirty="0" smtClean="0"/>
               <a:t> </a:t>
-            </a:r>
-            <a:r>
-              <a:rPr lang="ru-RU" sz="2400" dirty="0" smtClean="0"/>
-              <a:t/>
             </a:r>
             <a:br>
               <a:rPr lang="ru-RU" sz="2400" dirty="0" smtClean="0"/>
@@ -4155,7 +4243,7 @@
 </p:sld>
 </file>
 
-<file path=ppt/slides/slide11.xml><?xml version="1.0" encoding="utf-8"?>
+<file path=ppt/slides/slide12.xml><?xml version="1.0" encoding="utf-8"?>
 <p:sld xmlns:a="http://schemas.openxmlformats.org/drawingml/2006/main" xmlns:r="http://schemas.openxmlformats.org/officeDocument/2006/relationships" xmlns:p="http://schemas.openxmlformats.org/presentationml/2006/main">
   <p:cSld>
     <p:spTree>
@@ -4241,7 +4329,7 @@
 </p:sld>
 </file>
 
-<file path=ppt/slides/slide12.xml><?xml version="1.0" encoding="utf-8"?>
+<file path=ppt/slides/slide13.xml><?xml version="1.0" encoding="utf-8"?>
 <p:sld xmlns:a="http://schemas.openxmlformats.org/drawingml/2006/main" xmlns:r="http://schemas.openxmlformats.org/officeDocument/2006/relationships" xmlns:p="http://schemas.openxmlformats.org/presentationml/2006/main">
   <p:cSld>
     <p:spTree>
@@ -4316,7 +4404,7 @@
               <a:pPr algn="ctr">
                 <a:defRPr/>
               </a:pPr>
-              <a:t>12</a:t>
+              <a:t>13</a:t>
             </a:fld>
             <a:endParaRPr lang="uk-UA" sz="2400" b="1" dirty="0">
               <a:solidFill>
@@ -4449,10 +4537,6 @@
             <a:r>
               <a:rPr lang="ru-RU" sz="2400" dirty="0" smtClean="0"/>
               <a:t> </a:t>
-            </a:r>
-            <a:r>
-              <a:rPr lang="ru-RU" sz="2400" dirty="0" smtClean="0"/>
-              <a:t/>
             </a:r>
             <a:br>
               <a:rPr lang="ru-RU" sz="2400" dirty="0" smtClean="0"/>
@@ -6523,6 +6607,342 @@
       </p:grpSpPr>
       <p:sp>
         <p:nvSpPr>
+          <p:cNvPr id="20" name="Номер слайда 36"/>
+          <p:cNvSpPr txBox="1">
+            <a:spLocks/>
+          </p:cNvSpPr>
+          <p:nvPr/>
+        </p:nvSpPr>
+        <p:spPr>
+          <a:xfrm>
+            <a:off x="11208568" y="6165304"/>
+            <a:ext cx="648072" cy="432048"/>
+          </a:xfrm>
+          <a:prstGeom prst="roundRect">
+            <a:avLst/>
+          </a:prstGeom>
+          <a:ln w="25400" cap="flat" cmpd="sng" algn="ctr">
+            <a:solidFill>
+              <a:schemeClr val="tx2">
+                <a:lumMod val="60000"/>
+                <a:lumOff val="40000"/>
+              </a:schemeClr>
+            </a:solidFill>
+            <a:prstDash val="solid"/>
+          </a:ln>
+        </p:spPr>
+        <p:style>
+          <a:lnRef idx="2">
+            <a:schemeClr val="accent1"/>
+          </a:lnRef>
+          <a:fillRef idx="1">
+            <a:schemeClr val="lt1"/>
+          </a:fillRef>
+          <a:effectRef idx="0">
+            <a:schemeClr val="accent1"/>
+          </a:effectRef>
+          <a:fontRef idx="minor">
+            <a:schemeClr val="dk1"/>
+          </a:fontRef>
+        </p:style>
+        <p:txBody>
+          <a:bodyPr vert="horz" lIns="91440" tIns="45720" rIns="91440" bIns="45720" rtlCol="0" anchor="ctr"/>
+          <a:lstStyle/>
+          <a:p>
+            <a:pPr algn="ctr">
+              <a:defRPr/>
+            </a:pPr>
+            <a:fld id="{6389AA22-90B4-448C-8B6B-C699140D38B9}" type="slidenum">
+              <a:rPr lang="uk-UA" sz="2400" b="1">
+                <a:solidFill>
+                  <a:schemeClr val="bg1">
+                    <a:lumMod val="50000"/>
+                  </a:schemeClr>
+                </a:solidFill>
+              </a:rPr>
+              <a:pPr algn="ctr">
+                <a:defRPr/>
+              </a:pPr>
+              <a:t>8</a:t>
+            </a:fld>
+            <a:endParaRPr lang="uk-UA" sz="2400" b="1" dirty="0">
+              <a:solidFill>
+                <a:schemeClr val="bg1">
+                  <a:lumMod val="50000"/>
+                </a:schemeClr>
+              </a:solidFill>
+            </a:endParaRPr>
+          </a:p>
+        </p:txBody>
+      </p:sp>
+      <p:sp>
+        <p:nvSpPr>
+          <p:cNvPr id="27" name="TextBox 26"/>
+          <p:cNvSpPr txBox="1"/>
+          <p:nvPr/>
+        </p:nvSpPr>
+        <p:spPr>
+          <a:xfrm>
+            <a:off x="1919537" y="2132856"/>
+            <a:ext cx="8424935" cy="3477875"/>
+          </a:xfrm>
+          <a:prstGeom prst="rect">
+            <a:avLst/>
+          </a:prstGeom>
+          <a:noFill/>
+        </p:spPr>
+        <p:txBody>
+          <a:bodyPr wrap="square" rtlCol="0">
+            <a:spAutoFit/>
+          </a:bodyPr>
+          <a:lstStyle/>
+          <a:p>
+            <a:pPr algn="ctr"/>
+            <a:endParaRPr lang="ru-RU" sz="2000" b="1" i="1" dirty="0" smtClean="0"/>
+          </a:p>
+          <a:p>
+            <a:pPr algn="just"/>
+            <a:r>
+              <a:rPr lang="ru-RU" sz="2000" i="1" dirty="0" smtClean="0"/>
+              <a:t>Игроку </a:t>
+            </a:r>
+            <a:r>
+              <a:rPr lang="ru-RU" sz="2000" i="1" dirty="0"/>
+              <a:t>при старте даётся </a:t>
+            </a:r>
+            <a:r>
+              <a:rPr lang="ru-RU" sz="2000" b="1" i="1" dirty="0" smtClean="0"/>
+              <a:t>10000 </a:t>
+            </a:r>
+            <a:r>
+              <a:rPr lang="ru-RU" sz="2000" b="1" i="1" dirty="0"/>
+              <a:t>гривен</a:t>
+            </a:r>
+            <a:r>
+              <a:rPr lang="ru-RU" sz="2000" i="1" dirty="0"/>
+              <a:t>. У игрока спрашивается какую </a:t>
+            </a:r>
+            <a:r>
+              <a:rPr lang="ru-RU" sz="2000" b="1" i="1" dirty="0"/>
+              <a:t>сумму</a:t>
+            </a:r>
+            <a:r>
+              <a:rPr lang="ru-RU" sz="2000" i="1" dirty="0"/>
+              <a:t> он </a:t>
+            </a:r>
+            <a:r>
+              <a:rPr lang="ru-RU" sz="2000" b="1" i="1" dirty="0"/>
+              <a:t>ставит</a:t>
+            </a:r>
+            <a:r>
+              <a:rPr lang="ru-RU" sz="2000" i="1" dirty="0"/>
+              <a:t> (только целые числа), и на какой </a:t>
+            </a:r>
+            <a:r>
+              <a:rPr lang="ru-RU" sz="2000" b="1" i="1" dirty="0"/>
+              <a:t>результат</a:t>
+            </a:r>
+            <a:r>
+              <a:rPr lang="ru-RU" sz="2000" i="1" dirty="0"/>
+              <a:t> (от </a:t>
+            </a:r>
+            <a:r>
+              <a:rPr lang="ru-RU" sz="2000" i="1" dirty="0" smtClean="0"/>
+              <a:t>2 </a:t>
+            </a:r>
+            <a:r>
+              <a:rPr lang="ru-RU" sz="2000" i="1" dirty="0"/>
+              <a:t>до 12 включительно). После этого компьютер «</a:t>
+            </a:r>
+            <a:r>
+              <a:rPr lang="ru-RU" sz="2000" b="1" i="1" dirty="0"/>
+              <a:t>бросает кости</a:t>
+            </a:r>
+            <a:r>
+              <a:rPr lang="ru-RU" sz="2000" i="1" dirty="0"/>
+              <a:t>» генерирует два числа от 1 до 6 включительно. Если сумма чисел совпала с загаданным числом пользователя он </a:t>
+            </a:r>
+            <a:r>
+              <a:rPr lang="ru-RU" sz="2000" b="1" i="1" dirty="0"/>
+              <a:t>получает удвоенную ставку</a:t>
+            </a:r>
+            <a:r>
+              <a:rPr lang="ru-RU" sz="2000" i="1" dirty="0"/>
+              <a:t>, если при этом оба выпавшие числа равны между собой то пользователь </a:t>
+            </a:r>
+            <a:r>
+              <a:rPr lang="ru-RU" sz="2000" b="1" i="1" dirty="0"/>
+              <a:t>получает  утроенную ставку</a:t>
+            </a:r>
+            <a:r>
+              <a:rPr lang="ru-RU" sz="2000" i="1" dirty="0"/>
+              <a:t>. О результатах каждого «бросания» необходимо </a:t>
+            </a:r>
+            <a:r>
+              <a:rPr lang="ru-RU" sz="2000" b="1" i="1" dirty="0"/>
+              <a:t>уведомлять</a:t>
+            </a:r>
+            <a:r>
+              <a:rPr lang="ru-RU" sz="2000" i="1" dirty="0"/>
+              <a:t> </a:t>
+            </a:r>
+            <a:r>
+              <a:rPr lang="ru-RU" sz="2000" b="1" i="1" dirty="0"/>
+              <a:t>пользователя</a:t>
+            </a:r>
+            <a:r>
+              <a:rPr lang="ru-RU" sz="2000" i="1" dirty="0"/>
+              <a:t> и о сумме его выигрыша или </a:t>
+            </a:r>
+            <a:r>
+              <a:rPr lang="ru-RU" sz="2000" i="1" dirty="0" smtClean="0"/>
+              <a:t>проигрыша. Игра </a:t>
+            </a:r>
+            <a:r>
+              <a:rPr lang="ru-RU" sz="2000" i="1" dirty="0"/>
+              <a:t>продолжается до тех пор пока пользователь </a:t>
+            </a:r>
+            <a:r>
+              <a:rPr lang="ru-RU" sz="2000" i="1" dirty="0" smtClean="0"/>
+              <a:t>не проиграет все </a:t>
+            </a:r>
+            <a:r>
+              <a:rPr lang="ru-RU" sz="2000" i="1" dirty="0"/>
+              <a:t>деньги</a:t>
+            </a:r>
+            <a:r>
+              <a:rPr lang="ru-RU" sz="2000" i="1" dirty="0" smtClean="0"/>
+              <a:t>.</a:t>
+            </a:r>
+            <a:endParaRPr lang="ru-RU" sz="2000" i="1" dirty="0"/>
+          </a:p>
+        </p:txBody>
+      </p:sp>
+      <p:sp>
+        <p:nvSpPr>
+          <p:cNvPr id="6" name="TextBox 5"/>
+          <p:cNvSpPr txBox="1"/>
+          <p:nvPr/>
+        </p:nvSpPr>
+        <p:spPr>
+          <a:xfrm>
+            <a:off x="4671722" y="1191637"/>
+            <a:ext cx="2659831" cy="646331"/>
+          </a:xfrm>
+          <a:prstGeom prst="rect">
+            <a:avLst/>
+          </a:prstGeom>
+          <a:noFill/>
+        </p:spPr>
+        <p:txBody>
+          <a:bodyPr wrap="none" rtlCol="0">
+            <a:spAutoFit/>
+          </a:bodyPr>
+          <a:lstStyle/>
+          <a:p>
+            <a:pPr algn="ctr"/>
+            <a:r>
+              <a:rPr lang="ru-RU" sz="3600" b="1" dirty="0">
+                <a:solidFill>
+                  <a:srgbClr val="0070C0"/>
+                </a:solidFill>
+              </a:rPr>
+              <a:t>Игра в кости</a:t>
+            </a:r>
+          </a:p>
+        </p:txBody>
+      </p:sp>
+      <p:pic>
+        <p:nvPicPr>
+          <p:cNvPr id="4100" name="Picture 4" descr="http://www.sticker-art.de/wp-content/uploads/2013/11/Wuerfel.jpg"/>
+          <p:cNvPicPr>
+            <a:picLocks noChangeAspect="1" noChangeArrowheads="1"/>
+          </p:cNvPicPr>
+          <p:nvPr/>
+        </p:nvPicPr>
+        <p:blipFill>
+          <a:blip r:embed="rId2" cstate="print"/>
+          <a:srcRect t="7795" b="5669"/>
+          <a:stretch>
+            <a:fillRect/>
+          </a:stretch>
+        </p:blipFill>
+        <p:spPr bwMode="auto">
+          <a:xfrm>
+            <a:off x="2063552" y="980728"/>
+            <a:ext cx="1234347" cy="1068150"/>
+          </a:xfrm>
+          <a:prstGeom prst="rect">
+            <a:avLst/>
+          </a:prstGeom>
+          <a:noFill/>
+        </p:spPr>
+      </p:pic>
+      <p:pic>
+        <p:nvPicPr>
+          <p:cNvPr id="4102" name="Picture 6" descr="http://nakleiki-na-stenu.ru/collection/image_color/?id=25010&amp;type=1&amp;color=0&amp;orientation=1"/>
+          <p:cNvPicPr>
+            <a:picLocks noChangeAspect="1" noChangeArrowheads="1"/>
+          </p:cNvPicPr>
+          <p:nvPr/>
+        </p:nvPicPr>
+        <p:blipFill>
+          <a:blip r:embed="rId3" cstate="print"/>
+          <a:srcRect/>
+          <a:stretch>
+            <a:fillRect/>
+          </a:stretch>
+        </p:blipFill>
+        <p:spPr bwMode="auto">
+          <a:xfrm>
+            <a:off x="8976320" y="911353"/>
+            <a:ext cx="1082137" cy="1224136"/>
+          </a:xfrm>
+          <a:prstGeom prst="rect">
+            <a:avLst/>
+          </a:prstGeom>
+          <a:noFill/>
+        </p:spPr>
+      </p:pic>
+    </p:spTree>
+    <p:extLst>
+      <p:ext uri="{BB962C8B-B14F-4D97-AF65-F5344CB8AC3E}">
+        <p14:creationId xmlns:p14="http://schemas.microsoft.com/office/powerpoint/2010/main" val="3748192085"/>
+      </p:ext>
+    </p:extLst>
+  </p:cSld>
+  <p:clrMapOvr>
+    <a:masterClrMapping/>
+  </p:clrMapOvr>
+  <p:timing>
+    <p:tnLst>
+      <p:par>
+        <p:cTn id="1" dur="indefinite" restart="never" nodeType="tmRoot"/>
+      </p:par>
+    </p:tnLst>
+  </p:timing>
+</p:sld>
+</file>
+
+<file path=ppt/slides/slide9.xml><?xml version="1.0" encoding="utf-8"?>
+<p:sld xmlns:a="http://schemas.openxmlformats.org/drawingml/2006/main" xmlns:r="http://schemas.openxmlformats.org/officeDocument/2006/relationships" xmlns:p="http://schemas.openxmlformats.org/presentationml/2006/main">
+  <p:cSld>
+    <p:spTree>
+      <p:nvGrpSpPr>
+        <p:cNvPr id="1" name=""/>
+        <p:cNvGrpSpPr/>
+        <p:nvPr/>
+      </p:nvGrpSpPr>
+      <p:grpSpPr>
+        <a:xfrm>
+          <a:off x="0" y="0"/>
+          <a:ext cx="0" cy="0"/>
+          <a:chOff x="0" y="0"/>
+          <a:chExt cx="0" cy="0"/>
+        </a:xfrm>
+      </p:grpSpPr>
+      <p:sp>
+        <p:nvSpPr>
           <p:cNvPr id="7" name="Номер слайда 36"/>
           <p:cNvSpPr txBox="1">
             <a:spLocks/>
@@ -6579,7 +6999,7 @@
               <a:pPr algn="ctr">
                 <a:defRPr/>
               </a:pPr>
-              <a:t>8</a:t>
+              <a:t>9</a:t>
             </a:fld>
             <a:endParaRPr lang="uk-UA" sz="2400" b="1" dirty="0">
               <a:solidFill>
@@ -6656,10 +7076,6 @@
               <a:rPr lang="ru-RU" sz="2400" dirty="0" smtClean="0"/>
               <a:t> </a:t>
             </a:r>
-            <a:r>
-              <a:rPr lang="ru-RU" sz="2400" dirty="0" smtClean="0"/>
-              <a:t/>
-            </a:r>
             <a:br>
               <a:rPr lang="ru-RU" sz="2400" dirty="0" smtClean="0"/>
             </a:br>
@@ -6693,23 +7109,7 @@
                   <a:srgbClr val="0070C0"/>
                 </a:solidFill>
               </a:rPr>
-              <a:t>/</a:t>
-            </a:r>
-            <a:r>
-              <a:rPr lang="en-US" sz="2400" b="1" dirty="0" smtClean="0">
-                <a:solidFill>
-                  <a:srgbClr val="0070C0"/>
-                </a:solidFill>
-              </a:rPr>
-              <a:t>casino</a:t>
-            </a:r>
-            <a:r>
-              <a:rPr lang="en-US" sz="2400" b="1" dirty="0" smtClean="0">
-                <a:solidFill>
-                  <a:srgbClr val="0070C0"/>
-                </a:solidFill>
-              </a:rPr>
-              <a:t>-template</a:t>
+              <a:t>/casino-template</a:t>
             </a:r>
             <a:endParaRPr lang="ru-RU" sz="2400" b="1" dirty="0">
               <a:solidFill>
@@ -6788,97 +7188,6 @@
     <p:extLst>
       <p:ext uri="{BB962C8B-B14F-4D97-AF65-F5344CB8AC3E}">
         <p14:creationId xmlns:p14="http://schemas.microsoft.com/office/powerpoint/2010/main" val="568159567"/>
-      </p:ext>
-    </p:extLst>
-  </p:cSld>
-  <p:clrMapOvr>
-    <a:masterClrMapping/>
-  </p:clrMapOvr>
-</p:sld>
-</file>
-
-<file path=ppt/slides/slide9.xml><?xml version="1.0" encoding="utf-8"?>
-<p:sld xmlns:a="http://schemas.openxmlformats.org/drawingml/2006/main" xmlns:r="http://schemas.openxmlformats.org/officeDocument/2006/relationships" xmlns:p="http://schemas.openxmlformats.org/presentationml/2006/main">
-  <p:cSld>
-    <p:spTree>
-      <p:nvGrpSpPr>
-        <p:cNvPr id="1" name=""/>
-        <p:cNvGrpSpPr/>
-        <p:nvPr/>
-      </p:nvGrpSpPr>
-      <p:grpSpPr>
-        <a:xfrm>
-          <a:off x="0" y="0"/>
-          <a:ext cx="0" cy="0"/>
-          <a:chOff x="0" y="0"/>
-          <a:chExt cx="0" cy="0"/>
-        </a:xfrm>
-      </p:grpSpPr>
-      <p:sp>
-        <p:nvSpPr>
-          <p:cNvPr id="5" name="Прямоугольник 4"/>
-          <p:cNvSpPr/>
-          <p:nvPr/>
-        </p:nvSpPr>
-        <p:spPr>
-          <a:xfrm>
-            <a:off x="0" y="0"/>
-            <a:ext cx="12192000" cy="6858000"/>
-          </a:xfrm>
-          <a:prstGeom prst="rect">
-            <a:avLst/>
-          </a:prstGeom>
-          <a:solidFill>
-            <a:schemeClr val="tx2">
-              <a:lumMod val="75000"/>
-            </a:schemeClr>
-          </a:solidFill>
-        </p:spPr>
-        <p:style>
-          <a:lnRef idx="2">
-            <a:schemeClr val="accent1">
-              <a:shade val="50000"/>
-            </a:schemeClr>
-          </a:lnRef>
-          <a:fillRef idx="1">
-            <a:schemeClr val="accent1"/>
-          </a:fillRef>
-          <a:effectRef idx="0">
-            <a:schemeClr val="accent1"/>
-          </a:effectRef>
-          <a:fontRef idx="minor">
-            <a:schemeClr val="lt1"/>
-          </a:fontRef>
-        </p:style>
-        <p:txBody>
-          <a:bodyPr rtlCol="0" anchor="ctr"/>
-          <a:lstStyle/>
-          <a:p>
-            <a:pPr algn="ctr"/>
-            <a:r>
-              <a:rPr lang="en-US" sz="6000" b="1" dirty="0" smtClean="0"/>
-              <a:t>3</a:t>
-            </a:r>
-            <a:r>
-              <a:rPr lang="ru-RU" sz="6000" b="1" smtClean="0"/>
-              <a:t>. </a:t>
-            </a:r>
-            <a:r>
-              <a:rPr lang="ru-RU" sz="6000" b="1" dirty="0" smtClean="0"/>
-              <a:t>Немного практики </a:t>
-            </a:r>
-            <a:r>
-              <a:rPr lang="en-US" sz="6000" b="1" dirty="0" smtClean="0"/>
-              <a:t>#2</a:t>
-            </a:r>
-            <a:endParaRPr lang="uk-UA" sz="6000" b="1" dirty="0"/>
-          </a:p>
-        </p:txBody>
-      </p:sp>
-    </p:spTree>
-    <p:extLst>
-      <p:ext uri="{BB962C8B-B14F-4D97-AF65-F5344CB8AC3E}">
-        <p14:creationId xmlns:p14="http://schemas.microsoft.com/office/powerpoint/2010/main" val="931519920"/>
       </p:ext>
     </p:extLst>
   </p:cSld>

--- a/lesson23.pptx
+++ b/lesson23.pptx
@@ -221,7 +221,7 @@
             <a:fld id="{85522811-C5C6-42D2-A409-F8556720C93F}" type="datetimeFigureOut">
               <a:rPr lang="uk-UA" smtClean="0"/>
               <a:pPr/>
-              <a:t>27.11.2020</a:t>
+              <a:t>30.11.2020</a:t>
             </a:fld>
             <a:endParaRPr lang="uk-UA" dirty="0"/>
           </a:p>
@@ -287,35 +287,35 @@
           <a:p>
             <a:pPr lvl="0"/>
             <a:r>
-              <a:rPr lang="ru-RU" smtClean="0"/>
+              <a:rPr lang="ru-RU"/>
               <a:t>Образец текста</a:t>
             </a:r>
           </a:p>
           <a:p>
             <a:pPr lvl="1"/>
             <a:r>
-              <a:rPr lang="ru-RU" smtClean="0"/>
+              <a:rPr lang="ru-RU"/>
               <a:t>Второй уровень</a:t>
             </a:r>
           </a:p>
           <a:p>
             <a:pPr lvl="2"/>
             <a:r>
-              <a:rPr lang="ru-RU" smtClean="0"/>
+              <a:rPr lang="ru-RU"/>
               <a:t>Третий уровень</a:t>
             </a:r>
           </a:p>
           <a:p>
             <a:pPr lvl="3"/>
             <a:r>
-              <a:rPr lang="ru-RU" smtClean="0"/>
+              <a:rPr lang="ru-RU"/>
               <a:t>Четвертый уровень</a:t>
             </a:r>
           </a:p>
           <a:p>
             <a:pPr lvl="4"/>
             <a:r>
-              <a:rPr lang="ru-RU" smtClean="0"/>
+              <a:rPr lang="ru-RU"/>
               <a:t>Пятый уровень</a:t>
             </a:r>
             <a:endParaRPr lang="uk-UA"/>
@@ -622,7 +622,7 @@
           <a:lstStyle/>
           <a:p>
             <a:r>
-              <a:rPr lang="ru-RU" smtClean="0"/>
+              <a:rPr lang="ru-RU"/>
               <a:t>Образец заголовка</a:t>
             </a:r>
             <a:endParaRPr lang="uk-UA"/>
@@ -741,7 +741,7 @@
           </a:lstStyle>
           <a:p>
             <a:r>
-              <a:rPr lang="ru-RU" smtClean="0"/>
+              <a:rPr lang="ru-RU"/>
               <a:t>Образец подзаголовка</a:t>
             </a:r>
             <a:endParaRPr lang="uk-UA"/>
@@ -766,7 +766,7 @@
             <a:fld id="{0A2E6AC4-C3FE-4E70-88D1-136405B25267}" type="datetime1">
               <a:rPr lang="uk-UA" smtClean="0"/>
               <a:pPr/>
-              <a:t>27.11.2020</a:t>
+              <a:t>30.11.2020</a:t>
             </a:fld>
             <a:endParaRPr lang="uk-UA" dirty="0"/>
           </a:p>
@@ -856,7 +856,7 @@
           <a:lstStyle/>
           <a:p>
             <a:r>
-              <a:rPr lang="ru-RU" smtClean="0"/>
+              <a:rPr lang="ru-RU"/>
               <a:t>Образец заголовка</a:t>
             </a:r>
             <a:endParaRPr lang="uk-UA"/>
@@ -880,35 +880,35 @@
           <a:p>
             <a:pPr lvl="0"/>
             <a:r>
-              <a:rPr lang="ru-RU" smtClean="0"/>
+              <a:rPr lang="ru-RU"/>
               <a:t>Образец текста</a:t>
             </a:r>
           </a:p>
           <a:p>
             <a:pPr lvl="1"/>
             <a:r>
-              <a:rPr lang="ru-RU" smtClean="0"/>
+              <a:rPr lang="ru-RU"/>
               <a:t>Второй уровень</a:t>
             </a:r>
           </a:p>
           <a:p>
             <a:pPr lvl="2"/>
             <a:r>
-              <a:rPr lang="ru-RU" smtClean="0"/>
+              <a:rPr lang="ru-RU"/>
               <a:t>Третий уровень</a:t>
             </a:r>
           </a:p>
           <a:p>
             <a:pPr lvl="3"/>
             <a:r>
-              <a:rPr lang="ru-RU" smtClean="0"/>
+              <a:rPr lang="ru-RU"/>
               <a:t>Четвертый уровень</a:t>
             </a:r>
           </a:p>
           <a:p>
             <a:pPr lvl="4"/>
             <a:r>
-              <a:rPr lang="ru-RU" smtClean="0"/>
+              <a:rPr lang="ru-RU"/>
               <a:t>Пятый уровень</a:t>
             </a:r>
             <a:endParaRPr lang="uk-UA"/>
@@ -933,7 +933,7 @@
             <a:fld id="{B4D85949-5AE9-41F1-B18C-DA1006B0E8CC}" type="datetime1">
               <a:rPr lang="uk-UA" smtClean="0"/>
               <a:pPr/>
-              <a:t>27.11.2020</a:t>
+              <a:t>30.11.2020</a:t>
             </a:fld>
             <a:endParaRPr lang="uk-UA" dirty="0"/>
           </a:p>
@@ -1028,7 +1028,7 @@
           <a:lstStyle/>
           <a:p>
             <a:r>
-              <a:rPr lang="ru-RU" smtClean="0"/>
+              <a:rPr lang="ru-RU"/>
               <a:t>Образец заголовка</a:t>
             </a:r>
             <a:endParaRPr lang="uk-UA"/>
@@ -1057,35 +1057,35 @@
           <a:p>
             <a:pPr lvl="0"/>
             <a:r>
-              <a:rPr lang="ru-RU" smtClean="0"/>
+              <a:rPr lang="ru-RU"/>
               <a:t>Образец текста</a:t>
             </a:r>
           </a:p>
           <a:p>
             <a:pPr lvl="1"/>
             <a:r>
-              <a:rPr lang="ru-RU" smtClean="0"/>
+              <a:rPr lang="ru-RU"/>
               <a:t>Второй уровень</a:t>
             </a:r>
           </a:p>
           <a:p>
             <a:pPr lvl="2"/>
             <a:r>
-              <a:rPr lang="ru-RU" smtClean="0"/>
+              <a:rPr lang="ru-RU"/>
               <a:t>Третий уровень</a:t>
             </a:r>
           </a:p>
           <a:p>
             <a:pPr lvl="3"/>
             <a:r>
-              <a:rPr lang="ru-RU" smtClean="0"/>
+              <a:rPr lang="ru-RU"/>
               <a:t>Четвертый уровень</a:t>
             </a:r>
           </a:p>
           <a:p>
             <a:pPr lvl="4"/>
             <a:r>
-              <a:rPr lang="ru-RU" smtClean="0"/>
+              <a:rPr lang="ru-RU"/>
               <a:t>Пятый уровень</a:t>
             </a:r>
             <a:endParaRPr lang="uk-UA"/>
@@ -1110,7 +1110,7 @@
             <a:fld id="{B20C227C-94C5-4BA1-A89C-1C7570144B22}" type="datetime1">
               <a:rPr lang="uk-UA" smtClean="0"/>
               <a:pPr/>
-              <a:t>27.11.2020</a:t>
+              <a:t>30.11.2020</a:t>
             </a:fld>
             <a:endParaRPr lang="uk-UA" dirty="0"/>
           </a:p>
@@ -1200,7 +1200,7 @@
           <a:lstStyle/>
           <a:p>
             <a:r>
-              <a:rPr lang="ru-RU" smtClean="0"/>
+              <a:rPr lang="ru-RU"/>
               <a:t>Образец заголовка</a:t>
             </a:r>
             <a:endParaRPr lang="uk-UA"/>
@@ -1224,35 +1224,35 @@
           <a:p>
             <a:pPr lvl="0"/>
             <a:r>
-              <a:rPr lang="ru-RU" smtClean="0"/>
+              <a:rPr lang="ru-RU"/>
               <a:t>Образец текста</a:t>
             </a:r>
           </a:p>
           <a:p>
             <a:pPr lvl="1"/>
             <a:r>
-              <a:rPr lang="ru-RU" smtClean="0"/>
+              <a:rPr lang="ru-RU"/>
               <a:t>Второй уровень</a:t>
             </a:r>
           </a:p>
           <a:p>
             <a:pPr lvl="2"/>
             <a:r>
-              <a:rPr lang="ru-RU" smtClean="0"/>
+              <a:rPr lang="ru-RU"/>
               <a:t>Третий уровень</a:t>
             </a:r>
           </a:p>
           <a:p>
             <a:pPr lvl="3"/>
             <a:r>
-              <a:rPr lang="ru-RU" smtClean="0"/>
+              <a:rPr lang="ru-RU"/>
               <a:t>Четвертый уровень</a:t>
             </a:r>
           </a:p>
           <a:p>
             <a:pPr lvl="4"/>
             <a:r>
-              <a:rPr lang="ru-RU" smtClean="0"/>
+              <a:rPr lang="ru-RU"/>
               <a:t>Пятый уровень</a:t>
             </a:r>
             <a:endParaRPr lang="uk-UA"/>
@@ -1277,7 +1277,7 @@
             <a:fld id="{68E2E168-B245-4D8D-8538-B29990DBF87B}" type="datetime1">
               <a:rPr lang="uk-UA" smtClean="0"/>
               <a:pPr/>
-              <a:t>27.11.2020</a:t>
+              <a:t>30.11.2020</a:t>
             </a:fld>
             <a:endParaRPr lang="uk-UA" dirty="0"/>
           </a:p>
@@ -1376,7 +1376,7 @@
           </a:lstStyle>
           <a:p>
             <a:r>
-              <a:rPr lang="ru-RU" smtClean="0"/>
+              <a:rPr lang="ru-RU"/>
               <a:t>Образец заголовка</a:t>
             </a:r>
             <a:endParaRPr lang="uk-UA"/>
@@ -1496,7 +1496,7 @@
           <a:p>
             <a:pPr lvl="0"/>
             <a:r>
-              <a:rPr lang="ru-RU" smtClean="0"/>
+              <a:rPr lang="ru-RU"/>
               <a:t>Образец текста</a:t>
             </a:r>
           </a:p>
@@ -1520,7 +1520,7 @@
             <a:fld id="{356DAF6E-7007-4E61-B36E-794BF232B234}" type="datetime1">
               <a:rPr lang="uk-UA" smtClean="0"/>
               <a:pPr/>
-              <a:t>27.11.2020</a:t>
+              <a:t>30.11.2020</a:t>
             </a:fld>
             <a:endParaRPr lang="uk-UA" dirty="0"/>
           </a:p>
@@ -1610,7 +1610,7 @@
           <a:lstStyle/>
           <a:p>
             <a:r>
-              <a:rPr lang="ru-RU" smtClean="0"/>
+              <a:rPr lang="ru-RU"/>
               <a:t>Образец заголовка</a:t>
             </a:r>
             <a:endParaRPr lang="uk-UA"/>
@@ -1667,35 +1667,35 @@
           <a:p>
             <a:pPr lvl="0"/>
             <a:r>
-              <a:rPr lang="ru-RU" smtClean="0"/>
+              <a:rPr lang="ru-RU"/>
               <a:t>Образец текста</a:t>
             </a:r>
           </a:p>
           <a:p>
             <a:pPr lvl="1"/>
             <a:r>
-              <a:rPr lang="ru-RU" smtClean="0"/>
+              <a:rPr lang="ru-RU"/>
               <a:t>Второй уровень</a:t>
             </a:r>
           </a:p>
           <a:p>
             <a:pPr lvl="2"/>
             <a:r>
-              <a:rPr lang="ru-RU" smtClean="0"/>
+              <a:rPr lang="ru-RU"/>
               <a:t>Третий уровень</a:t>
             </a:r>
           </a:p>
           <a:p>
             <a:pPr lvl="3"/>
             <a:r>
-              <a:rPr lang="ru-RU" smtClean="0"/>
+              <a:rPr lang="ru-RU"/>
               <a:t>Четвертый уровень</a:t>
             </a:r>
           </a:p>
           <a:p>
             <a:pPr lvl="4"/>
             <a:r>
-              <a:rPr lang="ru-RU" smtClean="0"/>
+              <a:rPr lang="ru-RU"/>
               <a:t>Пятый уровень</a:t>
             </a:r>
             <a:endParaRPr lang="uk-UA"/>
@@ -1752,35 +1752,35 @@
           <a:p>
             <a:pPr lvl="0"/>
             <a:r>
-              <a:rPr lang="ru-RU" smtClean="0"/>
+              <a:rPr lang="ru-RU"/>
               <a:t>Образец текста</a:t>
             </a:r>
           </a:p>
           <a:p>
             <a:pPr lvl="1"/>
             <a:r>
-              <a:rPr lang="ru-RU" smtClean="0"/>
+              <a:rPr lang="ru-RU"/>
               <a:t>Второй уровень</a:t>
             </a:r>
           </a:p>
           <a:p>
             <a:pPr lvl="2"/>
             <a:r>
-              <a:rPr lang="ru-RU" smtClean="0"/>
+              <a:rPr lang="ru-RU"/>
               <a:t>Третий уровень</a:t>
             </a:r>
           </a:p>
           <a:p>
             <a:pPr lvl="3"/>
             <a:r>
-              <a:rPr lang="ru-RU" smtClean="0"/>
+              <a:rPr lang="ru-RU"/>
               <a:t>Четвертый уровень</a:t>
             </a:r>
           </a:p>
           <a:p>
             <a:pPr lvl="4"/>
             <a:r>
-              <a:rPr lang="ru-RU" smtClean="0"/>
+              <a:rPr lang="ru-RU"/>
               <a:t>Пятый уровень</a:t>
             </a:r>
             <a:endParaRPr lang="uk-UA"/>
@@ -1805,7 +1805,7 @@
             <a:fld id="{4B2141DD-FE72-44AA-B946-B70892F1F5B7}" type="datetime1">
               <a:rPr lang="uk-UA" smtClean="0"/>
               <a:pPr/>
-              <a:t>27.11.2020</a:t>
+              <a:t>30.11.2020</a:t>
             </a:fld>
             <a:endParaRPr lang="uk-UA" dirty="0"/>
           </a:p>
@@ -1899,7 +1899,7 @@
           </a:lstStyle>
           <a:p>
             <a:r>
-              <a:rPr lang="ru-RU" smtClean="0"/>
+              <a:rPr lang="ru-RU"/>
               <a:t>Образец заголовка</a:t>
             </a:r>
             <a:endParaRPr lang="uk-UA"/>
@@ -1965,7 +1965,7 @@
           <a:p>
             <a:pPr lvl="0"/>
             <a:r>
-              <a:rPr lang="ru-RU" smtClean="0"/>
+              <a:rPr lang="ru-RU"/>
               <a:t>Образец текста</a:t>
             </a:r>
           </a:p>
@@ -2021,35 +2021,35 @@
           <a:p>
             <a:pPr lvl="0"/>
             <a:r>
-              <a:rPr lang="ru-RU" smtClean="0"/>
+              <a:rPr lang="ru-RU"/>
               <a:t>Образец текста</a:t>
             </a:r>
           </a:p>
           <a:p>
             <a:pPr lvl="1"/>
             <a:r>
-              <a:rPr lang="ru-RU" smtClean="0"/>
+              <a:rPr lang="ru-RU"/>
               <a:t>Второй уровень</a:t>
             </a:r>
           </a:p>
           <a:p>
             <a:pPr lvl="2"/>
             <a:r>
-              <a:rPr lang="ru-RU" smtClean="0"/>
+              <a:rPr lang="ru-RU"/>
               <a:t>Третий уровень</a:t>
             </a:r>
           </a:p>
           <a:p>
             <a:pPr lvl="3"/>
             <a:r>
-              <a:rPr lang="ru-RU" smtClean="0"/>
+              <a:rPr lang="ru-RU"/>
               <a:t>Четвертый уровень</a:t>
             </a:r>
           </a:p>
           <a:p>
             <a:pPr lvl="4"/>
             <a:r>
-              <a:rPr lang="ru-RU" smtClean="0"/>
+              <a:rPr lang="ru-RU"/>
               <a:t>Пятый уровень</a:t>
             </a:r>
             <a:endParaRPr lang="uk-UA"/>
@@ -2115,7 +2115,7 @@
           <a:p>
             <a:pPr lvl="0"/>
             <a:r>
-              <a:rPr lang="ru-RU" smtClean="0"/>
+              <a:rPr lang="ru-RU"/>
               <a:t>Образец текста</a:t>
             </a:r>
           </a:p>
@@ -2171,35 +2171,35 @@
           <a:p>
             <a:pPr lvl="0"/>
             <a:r>
-              <a:rPr lang="ru-RU" smtClean="0"/>
+              <a:rPr lang="ru-RU"/>
               <a:t>Образец текста</a:t>
             </a:r>
           </a:p>
           <a:p>
             <a:pPr lvl="1"/>
             <a:r>
-              <a:rPr lang="ru-RU" smtClean="0"/>
+              <a:rPr lang="ru-RU"/>
               <a:t>Второй уровень</a:t>
             </a:r>
           </a:p>
           <a:p>
             <a:pPr lvl="2"/>
             <a:r>
-              <a:rPr lang="ru-RU" smtClean="0"/>
+              <a:rPr lang="ru-RU"/>
               <a:t>Третий уровень</a:t>
             </a:r>
           </a:p>
           <a:p>
             <a:pPr lvl="3"/>
             <a:r>
-              <a:rPr lang="ru-RU" smtClean="0"/>
+              <a:rPr lang="ru-RU"/>
               <a:t>Четвертый уровень</a:t>
             </a:r>
           </a:p>
           <a:p>
             <a:pPr lvl="4"/>
             <a:r>
-              <a:rPr lang="ru-RU" smtClean="0"/>
+              <a:rPr lang="ru-RU"/>
               <a:t>Пятый уровень</a:t>
             </a:r>
             <a:endParaRPr lang="uk-UA"/>
@@ -2224,7 +2224,7 @@
             <a:fld id="{D1C4DC7C-6CC4-4D1F-A21B-A650800E0532}" type="datetime1">
               <a:rPr lang="uk-UA" smtClean="0"/>
               <a:pPr/>
-              <a:t>27.11.2020</a:t>
+              <a:t>30.11.2020</a:t>
             </a:fld>
             <a:endParaRPr lang="uk-UA" dirty="0"/>
           </a:p>
@@ -2314,7 +2314,7 @@
           <a:lstStyle/>
           <a:p>
             <a:r>
-              <a:rPr lang="ru-RU" smtClean="0"/>
+              <a:rPr lang="ru-RU"/>
               <a:t>Образец заголовка</a:t>
             </a:r>
             <a:endParaRPr lang="uk-UA"/>
@@ -2339,7 +2339,7 @@
             <a:fld id="{09E753FA-BE70-4E9D-A1A2-A798C2E22C2C}" type="datetime1">
               <a:rPr lang="uk-UA" smtClean="0"/>
               <a:pPr/>
-              <a:t>27.11.2020</a:t>
+              <a:t>30.11.2020</a:t>
             </a:fld>
             <a:endParaRPr lang="uk-UA" dirty="0"/>
           </a:p>
@@ -2431,7 +2431,7 @@
             <a:fld id="{BC4E9D1B-A194-48C6-B5A1-4C29D0F81227}" type="datetime1">
               <a:rPr lang="uk-UA" smtClean="0"/>
               <a:pPr/>
-              <a:t>27.11.2020</a:t>
+              <a:t>30.11.2020</a:t>
             </a:fld>
             <a:endParaRPr lang="uk-UA" dirty="0"/>
           </a:p>
@@ -2530,7 +2530,7 @@
           </a:lstStyle>
           <a:p>
             <a:r>
-              <a:rPr lang="ru-RU" smtClean="0"/>
+              <a:rPr lang="ru-RU"/>
               <a:t>Образец заголовка</a:t>
             </a:r>
             <a:endParaRPr lang="uk-UA"/>
@@ -2587,35 +2587,35 @@
           <a:p>
             <a:pPr lvl="0"/>
             <a:r>
-              <a:rPr lang="ru-RU" smtClean="0"/>
+              <a:rPr lang="ru-RU"/>
               <a:t>Образец текста</a:t>
             </a:r>
           </a:p>
           <a:p>
             <a:pPr lvl="1"/>
             <a:r>
-              <a:rPr lang="ru-RU" smtClean="0"/>
+              <a:rPr lang="ru-RU"/>
               <a:t>Второй уровень</a:t>
             </a:r>
           </a:p>
           <a:p>
             <a:pPr lvl="2"/>
             <a:r>
-              <a:rPr lang="ru-RU" smtClean="0"/>
+              <a:rPr lang="ru-RU"/>
               <a:t>Третий уровень</a:t>
             </a:r>
           </a:p>
           <a:p>
             <a:pPr lvl="3"/>
             <a:r>
-              <a:rPr lang="ru-RU" smtClean="0"/>
+              <a:rPr lang="ru-RU"/>
               <a:t>Четвертый уровень</a:t>
             </a:r>
           </a:p>
           <a:p>
             <a:pPr lvl="4"/>
             <a:r>
-              <a:rPr lang="ru-RU" smtClean="0"/>
+              <a:rPr lang="ru-RU"/>
               <a:t>Пятый уровень</a:t>
             </a:r>
             <a:endParaRPr lang="uk-UA"/>
@@ -2681,7 +2681,7 @@
           <a:p>
             <a:pPr lvl="0"/>
             <a:r>
-              <a:rPr lang="ru-RU" smtClean="0"/>
+              <a:rPr lang="ru-RU"/>
               <a:t>Образец текста</a:t>
             </a:r>
           </a:p>
@@ -2705,7 +2705,7 @@
             <a:fld id="{98DC5B78-3AEE-4E8C-84A2-DF8B252C6B7D}" type="datetime1">
               <a:rPr lang="uk-UA" smtClean="0"/>
               <a:pPr/>
-              <a:t>27.11.2020</a:t>
+              <a:t>30.11.2020</a:t>
             </a:fld>
             <a:endParaRPr lang="uk-UA" dirty="0"/>
           </a:p>
@@ -2804,7 +2804,7 @@
           </a:lstStyle>
           <a:p>
             <a:r>
-              <a:rPr lang="ru-RU" smtClean="0"/>
+              <a:rPr lang="ru-RU"/>
               <a:t>Образец заголовка</a:t>
             </a:r>
             <a:endParaRPr lang="uk-UA"/>
@@ -2931,7 +2931,7 @@
           <a:p>
             <a:pPr lvl="0"/>
             <a:r>
-              <a:rPr lang="ru-RU" smtClean="0"/>
+              <a:rPr lang="ru-RU"/>
               <a:t>Образец текста</a:t>
             </a:r>
           </a:p>
@@ -2955,7 +2955,7 @@
             <a:fld id="{08E6AC05-7690-4D29-B090-15CFA8055B58}" type="datetime1">
               <a:rPr lang="uk-UA" smtClean="0"/>
               <a:pPr/>
-              <a:t>27.11.2020</a:t>
+              <a:t>30.11.2020</a:t>
             </a:fld>
             <a:endParaRPr lang="uk-UA" dirty="0"/>
           </a:p>
@@ -3060,7 +3060,7 @@
           <a:lstStyle/>
           <a:p>
             <a:r>
-              <a:rPr lang="ru-RU" smtClean="0"/>
+              <a:rPr lang="ru-RU"/>
               <a:t>Образец заголовка</a:t>
             </a:r>
             <a:endParaRPr lang="uk-UA"/>
@@ -3094,35 +3094,35 @@
           <a:p>
             <a:pPr lvl="0"/>
             <a:r>
-              <a:rPr lang="ru-RU" smtClean="0"/>
+              <a:rPr lang="ru-RU"/>
               <a:t>Образец текста</a:t>
             </a:r>
           </a:p>
           <a:p>
             <a:pPr lvl="1"/>
             <a:r>
-              <a:rPr lang="ru-RU" smtClean="0"/>
+              <a:rPr lang="ru-RU"/>
               <a:t>Второй уровень</a:t>
             </a:r>
           </a:p>
           <a:p>
             <a:pPr lvl="2"/>
             <a:r>
-              <a:rPr lang="ru-RU" smtClean="0"/>
+              <a:rPr lang="ru-RU"/>
               <a:t>Третий уровень</a:t>
             </a:r>
           </a:p>
           <a:p>
             <a:pPr lvl="3"/>
             <a:r>
-              <a:rPr lang="ru-RU" smtClean="0"/>
+              <a:rPr lang="ru-RU"/>
               <a:t>Четвертый уровень</a:t>
             </a:r>
           </a:p>
           <a:p>
             <a:pPr lvl="4"/>
             <a:r>
-              <a:rPr lang="ru-RU" smtClean="0"/>
+              <a:rPr lang="ru-RU"/>
               <a:t>Пятый уровень</a:t>
             </a:r>
             <a:endParaRPr lang="uk-UA"/>
@@ -3165,7 +3165,7 @@
             <a:fld id="{C4778AB5-85A2-4D58-9351-A198925B541D}" type="datetime1">
               <a:rPr lang="uk-UA" smtClean="0"/>
               <a:pPr/>
-              <a:t>27.11.2020</a:t>
+              <a:t>30.11.2020</a:t>
             </a:fld>
             <a:endParaRPr lang="uk-UA" dirty="0"/>
           </a:p>
@@ -3575,7 +3575,7 @@
           <a:p>
             <a:pPr algn="ctr"/>
             <a:r>
-              <a:rPr lang="en-US" sz="4400" b="1" dirty="0" smtClean="0">
+              <a:rPr lang="en-US" sz="4400" b="1" dirty="0">
                 <a:solidFill>
                   <a:srgbClr val="FFFF00"/>
                 </a:solidFill>
@@ -3584,7 +3584,7 @@
               <a:t>J</a:t>
             </a:r>
             <a:r>
-              <a:rPr lang="en-US" sz="4400" b="1" dirty="0" smtClean="0">
+              <a:rPr lang="en-US" sz="4400" b="1" dirty="0">
                 <a:solidFill>
                   <a:schemeClr val="bg1"/>
                 </a:solidFill>
@@ -3593,7 +3593,7 @@
               <a:t>ava</a:t>
             </a:r>
             <a:r>
-              <a:rPr lang="en-US" sz="4400" b="1" dirty="0" smtClean="0">
+              <a:rPr lang="en-US" sz="4400" b="1" dirty="0">
                 <a:solidFill>
                   <a:srgbClr val="FFFF00"/>
                 </a:solidFill>
@@ -3602,7 +3602,7 @@
               <a:t>S</a:t>
             </a:r>
             <a:r>
-              <a:rPr lang="en-US" sz="4400" b="1" dirty="0" smtClean="0">
+              <a:rPr lang="en-US" sz="4400" b="1" dirty="0">
                 <a:solidFill>
                   <a:schemeClr val="bg1"/>
                 </a:solidFill>
@@ -3611,7 +3611,7 @@
               <a:t>cript: </a:t>
             </a:r>
             <a:r>
-              <a:rPr lang="en-US" sz="4400" b="1" dirty="0" smtClean="0">
+              <a:rPr lang="en-US" sz="4400" b="1" dirty="0">
                 <a:solidFill>
                   <a:schemeClr val="accent6">
                     <a:lumMod val="75000"/>
@@ -3622,7 +3622,7 @@
               <a:t>D</a:t>
             </a:r>
             <a:r>
-              <a:rPr lang="en-US" sz="4400" b="1" dirty="0" smtClean="0">
+              <a:rPr lang="en-US" sz="4400" b="1" dirty="0">
                 <a:solidFill>
                   <a:schemeClr val="bg1"/>
                 </a:solidFill>
@@ -3631,7 +3631,7 @@
               <a:t>ocument </a:t>
             </a:r>
             <a:r>
-              <a:rPr lang="en-US" sz="4400" b="1" dirty="0" smtClean="0">
+              <a:rPr lang="en-US" sz="4400" b="1" dirty="0">
                 <a:solidFill>
                   <a:schemeClr val="accent6">
                     <a:lumMod val="75000"/>
@@ -3642,7 +3642,7 @@
               <a:t>O</a:t>
             </a:r>
             <a:r>
-              <a:rPr lang="en-US" sz="4400" b="1" dirty="0" smtClean="0">
+              <a:rPr lang="en-US" sz="4400" b="1" dirty="0">
                 <a:solidFill>
                   <a:schemeClr val="bg1"/>
                 </a:solidFill>
@@ -3651,7 +3651,7 @@
               <a:t>bject </a:t>
             </a:r>
             <a:r>
-              <a:rPr lang="en-US" sz="4400" b="1" dirty="0" smtClean="0">
+              <a:rPr lang="en-US" sz="4400" b="1" dirty="0">
                 <a:solidFill>
                   <a:schemeClr val="accent6">
                     <a:lumMod val="75000"/>
@@ -3662,7 +3662,7 @@
               <a:t>M</a:t>
             </a:r>
             <a:r>
-              <a:rPr lang="en-US" sz="4400" b="1" dirty="0" smtClean="0">
+              <a:rPr lang="en-US" sz="4400" b="1" dirty="0">
                 <a:solidFill>
                   <a:schemeClr val="bg1"/>
                 </a:solidFill>
@@ -3796,7 +3796,7 @@
           <a:p>
             <a:pPr algn="ctr" fontAlgn="base"/>
             <a:r>
-              <a:rPr lang="en-US" sz="3200" b="1" dirty="0" smtClean="0">
+              <a:rPr lang="en-US" sz="3200" b="1" dirty="0">
                 <a:solidFill>
                   <a:schemeClr val="bg1"/>
                 </a:solidFill>
@@ -3805,7 +3805,7 @@
               <a:t>ORT</a:t>
             </a:r>
             <a:r>
-              <a:rPr lang="en-US" sz="3200" b="1" dirty="0" smtClean="0">
+              <a:rPr lang="en-US" sz="3200" b="1" dirty="0">
                 <a:solidFill>
                   <a:srgbClr val="FFC000"/>
                 </a:solidFill>
@@ -3814,7 +3814,7 @@
               <a:t>DNIPRO</a:t>
             </a:r>
             <a:r>
-              <a:rPr lang="en-US" sz="3200" b="1" dirty="0" smtClean="0">
+              <a:rPr lang="en-US" sz="3200" b="1" dirty="0">
                 <a:solidFill>
                   <a:schemeClr val="bg1"/>
                 </a:solidFill>
@@ -3823,7 +3823,7 @@
               <a:t>.ORG</a:t>
             </a:r>
             <a:r>
-              <a:rPr lang="en-US" sz="3200" b="1" dirty="0" smtClean="0">
+              <a:rPr lang="en-US" sz="3200" b="1" dirty="0">
                 <a:solidFill>
                   <a:srgbClr val="FFC000"/>
                 </a:solidFill>
@@ -3850,13 +3850,6 @@
   <p:clrMapOvr>
     <a:masterClrMapping/>
   </p:clrMapOvr>
-  <p:timing>
-    <p:tnLst>
-      <p:par>
-        <p:cTn id="1" dur="indefinite" restart="never" nodeType="tmRoot"/>
-      </p:par>
-    </p:tnLst>
-  </p:timing>
 </p:sld>
 </file>
 
@@ -3919,19 +3912,19 @@
           <a:p>
             <a:pPr algn="ctr"/>
             <a:r>
-              <a:rPr lang="en-US" sz="6000" b="1" dirty="0" smtClean="0"/>
+              <a:rPr lang="en-US" sz="6000" b="1" dirty="0"/>
               <a:t>3</a:t>
             </a:r>
             <a:r>
-              <a:rPr lang="ru-RU" sz="6000" b="1" smtClean="0"/>
+              <a:rPr lang="ru-RU" sz="6000" b="1"/>
               <a:t>. </a:t>
             </a:r>
             <a:r>
-              <a:rPr lang="ru-RU" sz="6000" b="1" dirty="0" smtClean="0"/>
+              <a:rPr lang="ru-RU" sz="6000" b="1" dirty="0"/>
               <a:t>Немного практики </a:t>
             </a:r>
             <a:r>
-              <a:rPr lang="en-US" sz="6000" b="1" dirty="0" smtClean="0"/>
+              <a:rPr lang="en-US" sz="6000" b="1" dirty="0"/>
               <a:t>#2</a:t>
             </a:r>
             <a:endParaRPr lang="uk-UA" sz="6000" b="1" dirty="0"/>
@@ -4062,10 +4055,9 @@
           <a:p>
             <a:pPr algn="ctr"/>
             <a:r>
-              <a:rPr lang="ru-RU" sz="4400" b="1" dirty="0" smtClean="0"/>
+              <a:rPr lang="ru-RU" sz="4400" b="1" dirty="0"/>
               <a:t>Преобразование данных в разметке</a:t>
             </a:r>
-            <a:endParaRPr lang="ru-RU" sz="4400" b="1" dirty="0"/>
           </a:p>
         </p:txBody>
       </p:sp>
@@ -4092,26 +4084,26 @@
           <a:lstStyle/>
           <a:p>
             <a:r>
-              <a:rPr lang="ru-RU" sz="2400" dirty="0" smtClean="0"/>
+              <a:rPr lang="ru-RU" sz="2400" dirty="0"/>
               <a:t>Воспользуйтесь шаблоном в </a:t>
             </a:r>
             <a:r>
-              <a:rPr lang="ru-RU" sz="2400" dirty="0" err="1" smtClean="0"/>
+              <a:rPr lang="ru-RU" sz="2400" dirty="0" err="1"/>
               <a:t>репозитории</a:t>
             </a:r>
             <a:r>
-              <a:rPr lang="ru-RU" sz="2400" dirty="0" smtClean="0"/>
+              <a:rPr lang="ru-RU" sz="2400" dirty="0"/>
               <a:t> </a:t>
             </a:r>
             <a:br>
-              <a:rPr lang="ru-RU" sz="2400" dirty="0" smtClean="0"/>
+              <a:rPr lang="ru-RU" sz="2400" dirty="0"/>
             </a:br>
             <a:r>
-              <a:rPr lang="ru-RU" sz="2400" dirty="0" smtClean="0"/>
+              <a:rPr lang="ru-RU" sz="2400" dirty="0"/>
               <a:t>занятия </a:t>
             </a:r>
             <a:r>
-              <a:rPr lang="en-US" sz="2400" b="1" dirty="0" smtClean="0">
+              <a:rPr lang="en-US" sz="2400" b="1" dirty="0">
                 <a:solidFill>
                   <a:srgbClr val="0070C0"/>
                 </a:solidFill>
@@ -4132,23 +4124,7 @@
                   <a:srgbClr val="0070C0"/>
                 </a:solidFill>
               </a:rPr>
-              <a:t>/</a:t>
-            </a:r>
-            <a:r>
-              <a:rPr lang="en-US" sz="2400" b="1" dirty="0" err="1">
-                <a:solidFill>
-                  <a:srgbClr val="0070C0"/>
-                </a:solidFill>
-              </a:rPr>
-              <a:t>wheather</a:t>
-            </a:r>
-            <a:r>
-              <a:rPr lang="en-US" sz="2400" b="1" dirty="0">
-                <a:solidFill>
-                  <a:srgbClr val="0070C0"/>
-                </a:solidFill>
-              </a:rPr>
-              <a:t>-template</a:t>
+              <a:t>/weather-template</a:t>
             </a:r>
             <a:endParaRPr lang="ru-RU" sz="2400" b="1" dirty="0">
               <a:solidFill>
@@ -4215,18 +4191,17 @@
           <a:p>
             <a:pPr algn="ctr"/>
             <a:r>
-              <a:rPr lang="ru-RU" sz="2800" i="1" dirty="0" smtClean="0"/>
+              <a:rPr lang="ru-RU" sz="2800" i="1" dirty="0"/>
               <a:t>Реализуем «Погодный </a:t>
             </a:r>
             <a:r>
-              <a:rPr lang="ru-RU" sz="2800" i="1" dirty="0" err="1" smtClean="0"/>
+              <a:rPr lang="ru-RU" sz="2800" i="1" dirty="0" err="1"/>
               <a:t>виджет</a:t>
             </a:r>
             <a:r>
-              <a:rPr lang="ru-RU" sz="2800" i="1" dirty="0" smtClean="0"/>
+              <a:rPr lang="ru-RU" sz="2800" i="1" dirty="0"/>
               <a:t>» </a:t>
             </a:r>
-            <a:endParaRPr lang="ru-RU" sz="2800" i="1" dirty="0"/>
           </a:p>
         </p:txBody>
       </p:sp>
@@ -4319,13 +4294,6 @@
   <p:clrMapOvr>
     <a:masterClrMapping/>
   </p:clrMapOvr>
-  <p:timing>
-    <p:tnLst>
-      <p:par>
-        <p:cTn id="1" dur="indefinite" restart="never" nodeType="tmRoot"/>
-      </p:par>
-    </p:tnLst>
-  </p:timing>
 </p:sld>
 </file>
 
@@ -4453,20 +4421,12 @@
               </a:rPr>
               <a:t>тремя шкалами </a:t>
             </a:r>
-            <a:r>
-              <a:rPr lang="en-US" sz="2800" b="1" dirty="0" smtClean="0"/>
-              <a:t/>
-            </a:r>
             <a:br>
-              <a:rPr lang="en-US" sz="2800" b="1" dirty="0" smtClean="0"/>
+              <a:rPr lang="en-US" sz="2800" b="1" dirty="0"/>
             </a:br>
             <a:r>
-              <a:rPr lang="ru-RU" sz="2800" b="1" dirty="0" smtClean="0"/>
-              <a:t>(</a:t>
-            </a:r>
-            <a:r>
               <a:rPr lang="ru-RU" sz="2800" b="1" dirty="0"/>
-              <a:t>Цельсию, Фаренгейту и Кельвину) </a:t>
+              <a:t>(Цельсию, Фаренгейту и Кельвину) </a:t>
             </a:r>
           </a:p>
         </p:txBody>
@@ -4527,26 +4487,26 @@
           <a:lstStyle/>
           <a:p>
             <a:r>
-              <a:rPr lang="ru-RU" sz="2400" dirty="0" smtClean="0"/>
+              <a:rPr lang="ru-RU" sz="2400" dirty="0"/>
               <a:t>Воспользуйтесь шаблоном в </a:t>
             </a:r>
             <a:r>
-              <a:rPr lang="ru-RU" sz="2400" dirty="0" err="1" smtClean="0"/>
+              <a:rPr lang="ru-RU" sz="2400" dirty="0" err="1"/>
               <a:t>репозитории</a:t>
             </a:r>
             <a:r>
-              <a:rPr lang="ru-RU" sz="2400" dirty="0" smtClean="0"/>
+              <a:rPr lang="ru-RU" sz="2400" dirty="0"/>
               <a:t> </a:t>
             </a:r>
             <a:br>
-              <a:rPr lang="ru-RU" sz="2400" dirty="0" smtClean="0"/>
+              <a:rPr lang="ru-RU" sz="2400" dirty="0"/>
             </a:br>
             <a:r>
-              <a:rPr lang="ru-RU" sz="2400" dirty="0" smtClean="0"/>
+              <a:rPr lang="ru-RU" sz="2400" dirty="0"/>
               <a:t>занятия </a:t>
             </a:r>
             <a:r>
-              <a:rPr lang="en-US" sz="2400" b="1" dirty="0" smtClean="0">
+              <a:rPr lang="en-US" sz="2400" b="1" dirty="0">
                 <a:solidFill>
                   <a:srgbClr val="0070C0"/>
                 </a:solidFill>
@@ -4554,7 +4514,7 @@
               <a:t>./</a:t>
             </a:r>
             <a:r>
-              <a:rPr lang="en-US" sz="2400" b="1" dirty="0" err="1" smtClean="0">
+              <a:rPr lang="en-US" sz="2400" b="1" dirty="0" err="1">
                 <a:solidFill>
                   <a:srgbClr val="0070C0"/>
                 </a:solidFill>
@@ -4562,7 +4522,7 @@
               <a:t>src</a:t>
             </a:r>
             <a:r>
-              <a:rPr lang="en-US" sz="2400" b="1" dirty="0" smtClean="0">
+              <a:rPr lang="en-US" sz="2400" b="1" dirty="0">
                 <a:solidFill>
                   <a:srgbClr val="0070C0"/>
                 </a:solidFill>
@@ -4587,13 +4547,6 @@
   <p:clrMapOvr>
     <a:masterClrMapping/>
   </p:clrMapOvr>
-  <p:timing>
-    <p:tnLst>
-      <p:par>
-        <p:cTn id="1" dur="indefinite" restart="never" nodeType="tmRoot"/>
-      </p:par>
-    </p:tnLst>
-  </p:timing>
 </p:sld>
 </file>
 
@@ -4656,15 +4609,15 @@
           <a:p>
             <a:pPr algn="ctr"/>
             <a:r>
-              <a:rPr lang="ru-RU" sz="6000" b="1" dirty="0" smtClean="0"/>
+              <a:rPr lang="ru-RU" sz="6000" b="1" dirty="0"/>
               <a:t>1.</a:t>
             </a:r>
             <a:r>
-              <a:rPr lang="en-US" sz="6000" b="1" dirty="0" smtClean="0"/>
+              <a:rPr lang="en-US" sz="6000" b="1" dirty="0"/>
               <a:t> </a:t>
             </a:r>
             <a:r>
-              <a:rPr lang="en-US" sz="6000" b="1" dirty="0" smtClean="0">
+              <a:rPr lang="en-US" sz="6000" b="1" dirty="0">
                 <a:solidFill>
                   <a:srgbClr val="FFFF00"/>
                 </a:solidFill>
@@ -4672,11 +4625,11 @@
               <a:t>D</a:t>
             </a:r>
             <a:r>
-              <a:rPr lang="en-US" sz="6000" b="1" dirty="0" smtClean="0"/>
+              <a:rPr lang="en-US" sz="6000" b="1" dirty="0"/>
               <a:t>ocument </a:t>
             </a:r>
             <a:r>
-              <a:rPr lang="en-US" sz="6000" b="1" dirty="0" smtClean="0">
+              <a:rPr lang="en-US" sz="6000" b="1" dirty="0">
                 <a:solidFill>
                   <a:srgbClr val="FFFF00"/>
                 </a:solidFill>
@@ -4684,11 +4637,11 @@
               <a:t>O</a:t>
             </a:r>
             <a:r>
-              <a:rPr lang="en-US" sz="6000" b="1" dirty="0" smtClean="0"/>
+              <a:rPr lang="en-US" sz="6000" b="1" dirty="0"/>
               <a:t>bject </a:t>
             </a:r>
             <a:r>
-              <a:rPr lang="en-US" sz="6000" b="1" dirty="0" smtClean="0">
+              <a:rPr lang="en-US" sz="6000" b="1" dirty="0">
                 <a:solidFill>
                   <a:srgbClr val="FFFF00"/>
                 </a:solidFill>
@@ -4696,7 +4649,7 @@
               <a:t>M</a:t>
             </a:r>
             <a:r>
-              <a:rPr lang="en-US" sz="6000" b="1" dirty="0" smtClean="0"/>
+              <a:rPr lang="en-US" sz="6000" b="1" dirty="0"/>
               <a:t>odel</a:t>
             </a:r>
             <a:endParaRPr lang="uk-UA" sz="6000" b="1" dirty="0"/>
@@ -4915,74 +4868,69 @@
               <a:t> есть у этих </a:t>
             </a:r>
             <a:r>
-              <a:rPr lang="ru-RU" sz="3200" b="1" dirty="0" smtClean="0"/>
+              <a:rPr lang="ru-RU" sz="3200" b="1" dirty="0"/>
               <a:t>объектов</a:t>
             </a:r>
             <a:r>
-              <a:rPr lang="ru-RU" sz="3200" dirty="0" smtClean="0"/>
+              <a:rPr lang="ru-RU" sz="3200" dirty="0"/>
               <a:t>.</a:t>
             </a:r>
             <a:r>
-              <a:rPr lang="en-US" sz="3200" dirty="0" smtClean="0"/>
+              <a:rPr lang="en-US" sz="3200" dirty="0"/>
               <a:t> </a:t>
             </a:r>
             <a:r>
-              <a:rPr lang="ru-RU" sz="3200" dirty="0" smtClean="0"/>
+              <a:rPr lang="ru-RU" sz="3200" dirty="0"/>
               <a:t>В соответствии со стандартом </a:t>
             </a:r>
             <a:r>
-              <a:rPr lang="en-US" sz="3200" b="1" dirty="0" smtClean="0"/>
+              <a:rPr lang="en-US" sz="3200" b="1" dirty="0"/>
               <a:t>DOM</a:t>
             </a:r>
             <a:r>
-              <a:rPr lang="en-US" sz="3200" dirty="0" smtClean="0"/>
+              <a:rPr lang="en-US" sz="3200" dirty="0"/>
               <a:t> </a:t>
             </a:r>
             <a:r>
-              <a:rPr lang="ru-RU" sz="3200" dirty="0" smtClean="0"/>
+              <a:rPr lang="ru-RU" sz="3200" dirty="0"/>
               <a:t>каждый </a:t>
             </a:r>
             <a:r>
-              <a:rPr lang="ru-RU" sz="3200" b="1" dirty="0" smtClean="0"/>
+              <a:rPr lang="ru-RU" sz="3200" b="1" dirty="0"/>
               <a:t>тег</a:t>
-            </a:r>
-            <a:r>
-              <a:rPr lang="ru-RU" sz="3200" dirty="0" smtClean="0"/>
-              <a:t> </a:t>
-            </a:r>
-            <a:r>
-              <a:rPr lang="en-US" sz="3200" b="1" dirty="0" smtClean="0"/>
-              <a:t>HTML</a:t>
-            </a:r>
-            <a:r>
-              <a:rPr lang="ru-RU" sz="3200" b="1" dirty="0" smtClean="0"/>
-              <a:t>-документа</a:t>
-            </a:r>
-            <a:r>
-              <a:rPr lang="ru-RU" sz="3200" dirty="0" smtClean="0"/>
-              <a:t>, в </a:t>
-            </a:r>
-            <a:r>
-              <a:rPr lang="en-US" sz="3200" b="1" dirty="0" smtClean="0"/>
-              <a:t>JavaScript</a:t>
             </a:r>
             <a:r>
               <a:rPr lang="ru-RU" sz="3200" dirty="0"/>
               <a:t> </a:t>
             </a:r>
             <a:r>
-              <a:rPr lang="ru-RU" sz="3200" dirty="0" smtClean="0"/>
-              <a:t>представлен </a:t>
-            </a:r>
-            <a:r>
-              <a:rPr lang="ru-RU" sz="3200" b="1" dirty="0" smtClean="0"/>
+              <a:rPr lang="en-US" sz="3200" b="1" dirty="0"/>
+              <a:t>HTML</a:t>
+            </a:r>
+            <a:r>
+              <a:rPr lang="ru-RU" sz="3200" b="1" dirty="0"/>
+              <a:t>-документа</a:t>
+            </a:r>
+            <a:r>
+              <a:rPr lang="ru-RU" sz="3200" dirty="0"/>
+              <a:t>, в </a:t>
+            </a:r>
+            <a:r>
+              <a:rPr lang="en-US" sz="3200" b="1" dirty="0"/>
+              <a:t>JavaScript</a:t>
+            </a:r>
+            <a:r>
+              <a:rPr lang="ru-RU" sz="3200" dirty="0"/>
+              <a:t> представлен </a:t>
+            </a:r>
+            <a:r>
+              <a:rPr lang="ru-RU" sz="3200" b="1" dirty="0"/>
               <a:t>объектом</a:t>
             </a:r>
             <a:r>
-              <a:rPr lang="ru-RU" sz="3200" dirty="0" smtClean="0"/>
+              <a:rPr lang="ru-RU" sz="3200" dirty="0"/>
               <a:t>.</a:t>
             </a:r>
-            <a:endParaRPr lang="ru-RU" sz="3200" dirty="0"/>
           </a:p>
         </p:txBody>
       </p:sp>
@@ -5016,13 +4964,7 @@
               <a:rPr lang="en-US" sz="2800" b="1" dirty="0">
                 <a:hlinkClick r:id="rId2"/>
               </a:rPr>
-              <a:t>https://</a:t>
-            </a:r>
-            <a:r>
-              <a:rPr lang="en-US" sz="2800" b="1" dirty="0" smtClean="0">
-                <a:hlinkClick r:id="rId2"/>
-              </a:rPr>
-              <a:t>learn.javascript.ru/dom-nodes</a:t>
+              <a:t>https://learn.javascript.ru/dom-nodes</a:t>
             </a:r>
             <a:endParaRPr lang="ru-RU" sz="2800" b="1" dirty="0"/>
           </a:p>
@@ -5038,13 +4980,6 @@
   <p:clrMapOvr>
     <a:masterClrMapping/>
   </p:clrMapOvr>
-  <p:timing>
-    <p:tnLst>
-      <p:par>
-        <p:cTn id="1" dur="indefinite" restart="never" nodeType="tmRoot"/>
-      </p:par>
-    </p:tnLst>
-  </p:timing>
 </p:sld>
 </file>
 
@@ -5187,7 +5122,7 @@
           <a:lstStyle/>
           <a:p>
             <a:r>
-              <a:rPr lang="en-US" sz="3200" b="1" dirty="0" err="1" smtClean="0">
+              <a:rPr lang="en-US" sz="3200" b="1" dirty="0" err="1">
                 <a:solidFill>
                   <a:schemeClr val="accent6">
                     <a:lumMod val="75000"/>
@@ -5199,7 +5134,7 @@
               <a:t>documeznt.querySelectorAll</a:t>
             </a:r>
             <a:r>
-              <a:rPr lang="en-US" sz="3200" b="1" dirty="0" smtClean="0">
+              <a:rPr lang="en-US" sz="3200" b="1" dirty="0">
                 <a:solidFill>
                   <a:schemeClr val="accent6">
                     <a:lumMod val="75000"/>
@@ -5211,7 +5146,7 @@
               <a:t>(</a:t>
             </a:r>
             <a:r>
-              <a:rPr lang="en-US" sz="3200" dirty="0" smtClean="0">
+              <a:rPr lang="en-US" sz="3200" dirty="0">
                 <a:solidFill>
                   <a:srgbClr val="7030A0"/>
                 </a:solidFill>
@@ -5221,7 +5156,7 @@
               <a:t>“</a:t>
             </a:r>
             <a:r>
-              <a:rPr lang="en-US" sz="3200" b="1" dirty="0" err="1" smtClean="0">
+              <a:rPr lang="en-US" sz="3200" b="1" dirty="0" err="1">
                 <a:solidFill>
                   <a:srgbClr val="7030A0"/>
                 </a:solidFill>
@@ -5231,7 +5166,7 @@
               <a:t>css</a:t>
             </a:r>
             <a:r>
-              <a:rPr lang="en-US" sz="3200" b="1" dirty="0" smtClean="0">
+              <a:rPr lang="en-US" sz="3200" b="1" dirty="0">
                 <a:solidFill>
                   <a:srgbClr val="7030A0"/>
                 </a:solidFill>
@@ -5241,7 +5176,7 @@
               <a:t> selector</a:t>
             </a:r>
             <a:r>
-              <a:rPr lang="en-US" sz="3200" dirty="0" smtClean="0">
+              <a:rPr lang="en-US" sz="3200" dirty="0">
                 <a:solidFill>
                   <a:srgbClr val="7030A0"/>
                 </a:solidFill>
@@ -5251,7 +5186,7 @@
               <a:t>”</a:t>
             </a:r>
             <a:r>
-              <a:rPr lang="en-US" sz="3200" b="1" dirty="0" smtClean="0">
+              <a:rPr lang="en-US" sz="3200" b="1" dirty="0">
                 <a:solidFill>
                   <a:schemeClr val="accent6">
                     <a:lumMod val="75000"/>
@@ -5263,7 +5198,7 @@
               <a:t>)</a:t>
             </a:r>
             <a:r>
-              <a:rPr lang="en-US" sz="2400" dirty="0" smtClean="0">
+              <a:rPr lang="en-US" sz="2400" dirty="0">
                 <a:solidFill>
                   <a:schemeClr val="accent6">
                     <a:lumMod val="75000"/>
@@ -5277,11 +5212,11 @@
               <a:t>возвращает </a:t>
             </a:r>
             <a:r>
-              <a:rPr lang="ru-RU" sz="2400" b="1" dirty="0" err="1" smtClean="0"/>
+              <a:rPr lang="ru-RU" sz="2400" b="1" dirty="0" err="1"/>
               <a:t>псевдомассив</a:t>
             </a:r>
             <a:r>
-              <a:rPr lang="ru-RU" sz="2400" dirty="0" smtClean="0"/>
+              <a:rPr lang="ru-RU" sz="2400" dirty="0"/>
               <a:t> </a:t>
             </a:r>
             <a:r>
@@ -5290,14 +5225,10 @@
             </a:r>
             <a:r>
               <a:rPr lang="ru-RU" sz="2400" dirty="0"/>
-              <a:t> </a:t>
-            </a:r>
-            <a:r>
-              <a:rPr lang="ru-RU" sz="2400" dirty="0" smtClean="0"/>
-              <a:t>(</a:t>
-            </a:r>
-            <a:r>
-              <a:rPr lang="ru-RU" sz="2400" i="1" dirty="0" smtClean="0"/>
+              <a:t> (</a:t>
+            </a:r>
+            <a:r>
+              <a:rPr lang="ru-RU" sz="2400" i="1" dirty="0"/>
               <a:t>тегов</a:t>
             </a:r>
             <a:r>
@@ -5317,22 +5248,17 @@
               <a:t>селектору </a:t>
             </a:r>
             <a:r>
-              <a:rPr lang="ru-RU" sz="2400" dirty="0" smtClean="0"/>
-              <a:t>переданному в </a:t>
-            </a:r>
-            <a:r>
               <a:rPr lang="ru-RU" sz="2400" dirty="0"/>
-              <a:t>качестве </a:t>
-            </a:r>
-            <a:r>
-              <a:rPr lang="ru-RU" sz="2400" b="1" dirty="0" smtClean="0"/>
+              <a:t>переданному в качестве </a:t>
+            </a:r>
+            <a:r>
+              <a:rPr lang="ru-RU" sz="2400" b="1" dirty="0"/>
               <a:t>параметра</a:t>
             </a:r>
             <a:r>
-              <a:rPr lang="ru-RU" sz="2400" dirty="0" smtClean="0"/>
+              <a:rPr lang="ru-RU" sz="2400" dirty="0"/>
               <a:t> функции;</a:t>
             </a:r>
-            <a:endParaRPr lang="ru-RU" sz="2400" dirty="0"/>
           </a:p>
         </p:txBody>
       </p:sp>
@@ -5393,7 +5319,7 @@
               <a:t>“</a:t>
             </a:r>
             <a:r>
-              <a:rPr lang="en-US" sz="3200" b="1" dirty="0" err="1" smtClean="0">
+              <a:rPr lang="en-US" sz="3200" b="1" dirty="0" err="1">
                 <a:solidFill>
                   <a:srgbClr val="7030A0"/>
                 </a:solidFill>
@@ -5403,7 +5329,7 @@
               <a:t>css</a:t>
             </a:r>
             <a:r>
-              <a:rPr lang="en-US" sz="3200" b="1" dirty="0" smtClean="0">
+              <a:rPr lang="en-US" sz="3200" b="1" dirty="0">
                 <a:solidFill>
                   <a:srgbClr val="7030A0"/>
                 </a:solidFill>
@@ -5413,7 +5339,7 @@
               <a:t> selector</a:t>
             </a:r>
             <a:r>
-              <a:rPr lang="en-US" sz="3200" dirty="0" smtClean="0">
+              <a:rPr lang="en-US" sz="3200" dirty="0">
                 <a:solidFill>
                   <a:srgbClr val="7030A0"/>
                 </a:solidFill>
@@ -5423,7 +5349,7 @@
               <a:t>”</a:t>
             </a:r>
             <a:r>
-              <a:rPr lang="en-US" sz="3200" b="1" dirty="0" smtClean="0">
+              <a:rPr lang="en-US" sz="3200" b="1" dirty="0">
                 <a:solidFill>
                   <a:schemeClr val="accent6">
                     <a:lumMod val="75000"/>
@@ -5435,31 +5361,27 @@
               <a:t>)</a:t>
             </a:r>
             <a:r>
-              <a:rPr lang="en-US" sz="2400" dirty="0" smtClean="0"/>
+              <a:rPr lang="en-US" sz="2400" dirty="0"/>
               <a:t> </a:t>
             </a:r>
             <a:r>
-              <a:rPr lang="ru-RU" sz="2400" dirty="0" smtClean="0"/>
+              <a:rPr lang="ru-RU" sz="2400" dirty="0"/>
               <a:t>возвращает первый найденный, в документе, </a:t>
             </a:r>
             <a:r>
-              <a:rPr lang="ru-RU" sz="2400" b="1" dirty="0" smtClean="0"/>
+              <a:rPr lang="ru-RU" sz="2400" b="1" dirty="0"/>
               <a:t>объект</a:t>
             </a:r>
             <a:r>
-              <a:rPr lang="ru-RU" sz="2400" dirty="0" smtClean="0"/>
-              <a:t> </a:t>
-            </a:r>
-            <a:r>
               <a:rPr lang="ru-RU" sz="2400" dirty="0"/>
-              <a:t>(</a:t>
-            </a:r>
-            <a:r>
-              <a:rPr lang="ru-RU" sz="2400" i="1" dirty="0" smtClean="0"/>
+              <a:t> (</a:t>
+            </a:r>
+            <a:r>
+              <a:rPr lang="ru-RU" sz="2400" i="1" dirty="0"/>
               <a:t>тег</a:t>
             </a:r>
             <a:r>
-              <a:rPr lang="ru-RU" sz="2400" dirty="0" smtClean="0"/>
+              <a:rPr lang="ru-RU" sz="2400" dirty="0"/>
               <a:t>) соответствующий </a:t>
             </a:r>
             <a:r>
@@ -5565,11 +5487,7 @@
             </a:r>
             <a:r>
               <a:rPr lang="ru-RU" sz="2400" dirty="0"/>
-              <a:t> (с именем </a:t>
-            </a:r>
-            <a:r>
-              <a:rPr lang="ru-RU" sz="2400" dirty="0" smtClean="0"/>
-              <a:t>совпадающим с </a:t>
+              <a:t> (с именем совпадающим с </a:t>
             </a:r>
             <a:r>
               <a:rPr lang="en-US" sz="2400" b="1" dirty="0"/>
@@ -5597,13 +5515,6 @@
   <p:clrMapOvr>
     <a:masterClrMapping/>
   </p:clrMapOvr>
-  <p:timing>
-    <p:tnLst>
-      <p:par>
-        <p:cTn id="1" dur="indefinite" restart="never" nodeType="tmRoot"/>
-      </p:par>
-    </p:tnLst>
-  </p:timing>
 </p:sld>
 </file>
 
@@ -5782,12 +5693,8 @@
           </a:p>
           <a:p>
             <a:r>
-              <a:rPr lang="en-US" sz="2400" b="1" i="1" dirty="0" smtClean="0"/>
-              <a:t>.</a:t>
-            </a:r>
-            <a:r>
               <a:rPr lang="en-US" sz="2400" b="1" i="1" dirty="0"/>
-              <a:t>style { … }</a:t>
+              <a:t>.style { … }</a:t>
             </a:r>
             <a:endParaRPr lang="ru-RU" sz="2400" b="1" i="1" dirty="0"/>
           </a:p>
@@ -5870,32 +5777,28 @@
               <a:t>Каждому </a:t>
             </a:r>
             <a:r>
-              <a:rPr lang="ru-RU" sz="2400" b="1" dirty="0" smtClean="0"/>
+              <a:rPr lang="ru-RU" sz="2400" b="1" dirty="0"/>
               <a:t>тег</a:t>
             </a:r>
             <a:r>
-              <a:rPr lang="ru-RU" sz="2400" dirty="0" smtClean="0"/>
+              <a:rPr lang="ru-RU" sz="2400" dirty="0"/>
               <a:t>, в </a:t>
             </a:r>
             <a:r>
-              <a:rPr lang="en-US" sz="2400" dirty="0" smtClean="0"/>
+              <a:rPr lang="en-US" sz="2400" dirty="0"/>
               <a:t>JavaScript</a:t>
             </a:r>
             <a:r>
-              <a:rPr lang="ru-RU" sz="2400" dirty="0" smtClean="0"/>
+              <a:rPr lang="ru-RU" sz="2400" dirty="0"/>
               <a:t>, </a:t>
             </a:r>
             <a:r>
-              <a:rPr lang="ru-RU" sz="2400" b="1" dirty="0" smtClean="0"/>
+              <a:rPr lang="ru-RU" sz="2400" b="1" dirty="0"/>
               <a:t>представлен объектом</a:t>
             </a:r>
             <a:r>
-              <a:rPr lang="ru-RU" sz="2400" dirty="0" smtClean="0"/>
-              <a:t>, </a:t>
-            </a:r>
-            <a:r>
               <a:rPr lang="ru-RU" sz="2400" dirty="0"/>
-              <a:t>который хранит всё </a:t>
+              <a:t>, который хранит всё </a:t>
             </a:r>
             <a:r>
               <a:rPr lang="ru-RU" sz="2400" b="1" dirty="0"/>
@@ -6089,13 +5992,6 @@
   <p:clrMapOvr>
     <a:masterClrMapping/>
   </p:clrMapOvr>
-  <p:timing>
-    <p:tnLst>
-      <p:par>
-        <p:cTn id="1" dur="indefinite" restart="never" nodeType="tmRoot"/>
-      </p:par>
-    </p:tnLst>
-  </p:timing>
 </p:sld>
 </file>
 
@@ -6239,34 +6135,30 @@
           <a:p>
             <a:r>
               <a:rPr lang="ru-RU" sz="2200" dirty="0"/>
-              <a:t>У </a:t>
-            </a:r>
-            <a:r>
-              <a:rPr lang="ru-RU" sz="2200" dirty="0" smtClean="0"/>
-              <a:t>объектов</a:t>
-            </a:r>
-            <a:r>
-              <a:rPr lang="en-US" sz="2200" dirty="0" smtClean="0"/>
+              <a:t>У объектов</a:t>
+            </a:r>
+            <a:r>
+              <a:rPr lang="en-US" sz="2200" dirty="0"/>
               <a:t> </a:t>
             </a:r>
             <a:r>
-              <a:rPr lang="ru-RU" sz="2200" dirty="0" smtClean="0"/>
+              <a:rPr lang="ru-RU" sz="2200" dirty="0"/>
               <a:t>(</a:t>
             </a:r>
             <a:r>
-              <a:rPr lang="ru-RU" sz="2200" b="1" dirty="0" smtClean="0"/>
+              <a:rPr lang="ru-RU" sz="2200" b="1" dirty="0"/>
               <a:t>тегов,</a:t>
             </a:r>
             <a:r>
-              <a:rPr lang="ru-RU" sz="2200" dirty="0" smtClean="0"/>
+              <a:rPr lang="ru-RU" sz="2200" dirty="0"/>
               <a:t> </a:t>
             </a:r>
             <a:r>
-              <a:rPr lang="ru-RU" sz="2200" b="1" dirty="0" smtClean="0"/>
+              <a:rPr lang="ru-RU" sz="2200" b="1" dirty="0"/>
               <a:t>элементов</a:t>
             </a:r>
             <a:r>
-              <a:rPr lang="ru-RU" sz="2200" dirty="0" smtClean="0"/>
+              <a:rPr lang="ru-RU" sz="2200" dirty="0"/>
               <a:t> </a:t>
             </a:r>
             <a:r>
@@ -6364,7 +6256,7 @@
           </a:p>
           <a:p>
             <a:r>
-              <a:rPr lang="en-US" sz="2200" b="1" dirty="0" smtClean="0">
+              <a:rPr lang="en-US" sz="2200" b="1" dirty="0">
                 <a:solidFill>
                   <a:srgbClr val="7030A0"/>
                 </a:solidFill>
@@ -6560,15 +6452,15 @@
           <a:p>
             <a:pPr algn="ctr"/>
             <a:r>
-              <a:rPr lang="en-US" sz="6000" b="1" dirty="0" smtClean="0"/>
+              <a:rPr lang="en-US" sz="6000" b="1" dirty="0"/>
               <a:t>2</a:t>
             </a:r>
             <a:r>
-              <a:rPr lang="ru-RU" sz="6000" b="1" dirty="0" smtClean="0"/>
+              <a:rPr lang="ru-RU" sz="6000" b="1" dirty="0"/>
               <a:t>. Немного практики </a:t>
             </a:r>
             <a:r>
-              <a:rPr lang="en-US" sz="6000" b="1" dirty="0" smtClean="0"/>
+              <a:rPr lang="en-US" sz="6000" b="1" dirty="0"/>
               <a:t>#1</a:t>
             </a:r>
             <a:endParaRPr lang="uk-UA" sz="6000" b="1" dirty="0"/>
@@ -6698,25 +6590,17 @@
           <a:lstStyle/>
           <a:p>
             <a:pPr algn="ctr"/>
-            <a:endParaRPr lang="ru-RU" sz="2000" b="1" i="1" dirty="0" smtClean="0"/>
+            <a:endParaRPr lang="ru-RU" sz="2000" b="1" i="1" dirty="0"/>
           </a:p>
           <a:p>
             <a:pPr algn="just"/>
             <a:r>
-              <a:rPr lang="ru-RU" sz="2000" i="1" dirty="0" smtClean="0"/>
-              <a:t>Игроку </a:t>
-            </a:r>
-            <a:r>
               <a:rPr lang="ru-RU" sz="2000" i="1" dirty="0"/>
-              <a:t>при старте даётся </a:t>
-            </a:r>
-            <a:r>
-              <a:rPr lang="ru-RU" sz="2000" b="1" i="1" dirty="0" smtClean="0"/>
-              <a:t>10000 </a:t>
+              <a:t>Игроку при старте даётся </a:t>
             </a:r>
             <a:r>
               <a:rPr lang="ru-RU" sz="2000" b="1" i="1" dirty="0"/>
-              <a:t>гривен</a:t>
+              <a:t>10000 гривен</a:t>
             </a:r>
             <a:r>
               <a:rPr lang="ru-RU" sz="2000" i="1" dirty="0"/>
@@ -6744,15 +6628,7 @@
             </a:r>
             <a:r>
               <a:rPr lang="ru-RU" sz="2000" i="1" dirty="0"/>
-              <a:t> (от </a:t>
-            </a:r>
-            <a:r>
-              <a:rPr lang="ru-RU" sz="2000" i="1" dirty="0" smtClean="0"/>
-              <a:t>2 </a:t>
-            </a:r>
-            <a:r>
-              <a:rPr lang="ru-RU" sz="2000" i="1" dirty="0"/>
-              <a:t>до 12 включительно). После этого компьютер «</a:t>
+              <a:t> (от 2 до 12 включительно). После этого компьютер «</a:t>
             </a:r>
             <a:r>
               <a:rPr lang="ru-RU" sz="2000" b="1" i="1" dirty="0"/>
@@ -6792,29 +6668,8 @@
             </a:r>
             <a:r>
               <a:rPr lang="ru-RU" sz="2000" i="1" dirty="0"/>
-              <a:t> и о сумме его выигрыша или </a:t>
-            </a:r>
-            <a:r>
-              <a:rPr lang="ru-RU" sz="2000" i="1" dirty="0" smtClean="0"/>
-              <a:t>проигрыша. Игра </a:t>
-            </a:r>
-            <a:r>
-              <a:rPr lang="ru-RU" sz="2000" i="1" dirty="0"/>
-              <a:t>продолжается до тех пор пока пользователь </a:t>
-            </a:r>
-            <a:r>
-              <a:rPr lang="ru-RU" sz="2000" i="1" dirty="0" smtClean="0"/>
-              <a:t>не проиграет все </a:t>
-            </a:r>
-            <a:r>
-              <a:rPr lang="ru-RU" sz="2000" i="1" dirty="0"/>
-              <a:t>деньги</a:t>
-            </a:r>
-            <a:r>
-              <a:rPr lang="ru-RU" sz="2000" i="1" dirty="0" smtClean="0"/>
-              <a:t>.</a:t>
-            </a:r>
-            <a:endParaRPr lang="ru-RU" sz="2000" i="1" dirty="0"/>
+              <a:t> и о сумме его выигрыша или проигрыша. Игра продолжается до тех пор пока пользователь не проиграет все деньги.</a:t>
+            </a:r>
           </a:p>
         </p:txBody>
       </p:sp>
@@ -6914,13 +6769,6 @@
   <p:clrMapOvr>
     <a:masterClrMapping/>
   </p:clrMapOvr>
-  <p:timing>
-    <p:tnLst>
-      <p:par>
-        <p:cTn id="1" dur="indefinite" restart="never" nodeType="tmRoot"/>
-      </p:par>
-    </p:tnLst>
-  </p:timing>
 </p:sld>
 </file>
 
@@ -7035,10 +6883,9 @@
           <a:p>
             <a:pPr algn="ctr"/>
             <a:r>
-              <a:rPr lang="ru-RU" sz="3600" b="1" dirty="0" smtClean="0"/>
+              <a:rPr lang="ru-RU" sz="3600" b="1" dirty="0"/>
               <a:t>Управление документом и игровой процесс</a:t>
             </a:r>
-            <a:endParaRPr lang="ru-RU" sz="3600" b="1" dirty="0"/>
           </a:p>
         </p:txBody>
       </p:sp>
@@ -7065,30 +6912,30 @@
           <a:lstStyle/>
           <a:p>
             <a:r>
-              <a:rPr lang="ru-RU" sz="2400" dirty="0" smtClean="0"/>
+              <a:rPr lang="ru-RU" sz="2400" dirty="0"/>
               <a:t>Воспользуйтесь шаблоном в </a:t>
             </a:r>
             <a:r>
-              <a:rPr lang="ru-RU" sz="2400" dirty="0" err="1" smtClean="0"/>
+              <a:rPr lang="ru-RU" sz="2400" dirty="0" err="1"/>
               <a:t>репозитории</a:t>
             </a:r>
             <a:r>
-              <a:rPr lang="ru-RU" sz="2400" dirty="0" smtClean="0"/>
+              <a:rPr lang="ru-RU" sz="2400" dirty="0"/>
               <a:t> </a:t>
             </a:r>
             <a:br>
-              <a:rPr lang="ru-RU" sz="2400" dirty="0" smtClean="0"/>
+              <a:rPr lang="ru-RU" sz="2400" dirty="0"/>
             </a:br>
             <a:r>
-              <a:rPr lang="ru-RU" sz="2400" dirty="0" smtClean="0"/>
+              <a:rPr lang="ru-RU" sz="2400" dirty="0"/>
               <a:t>занятия</a:t>
             </a:r>
             <a:r>
-              <a:rPr lang="en-US" sz="2400" dirty="0" smtClean="0"/>
+              <a:rPr lang="en-US" sz="2400" dirty="0"/>
               <a:t> </a:t>
             </a:r>
             <a:r>
-              <a:rPr lang="en-US" sz="2400" b="1" dirty="0" smtClean="0">
+              <a:rPr lang="en-US" sz="2400" b="1" dirty="0">
                 <a:solidFill>
                   <a:srgbClr val="0070C0"/>
                 </a:solidFill>
@@ -7096,7 +6943,7 @@
               <a:t>./</a:t>
             </a:r>
             <a:r>
-              <a:rPr lang="en-US" sz="2400" b="1" dirty="0" err="1" smtClean="0">
+              <a:rPr lang="en-US" sz="2400" b="1" dirty="0" err="1">
                 <a:solidFill>
                   <a:srgbClr val="0070C0"/>
                 </a:solidFill>
@@ -7104,7 +6951,7 @@
               <a:t>src</a:t>
             </a:r>
             <a:r>
-              <a:rPr lang="en-US" sz="2400" b="1" dirty="0" smtClean="0">
+              <a:rPr lang="en-US" sz="2400" b="1" dirty="0">
                 <a:solidFill>
                   <a:srgbClr val="0070C0"/>
                 </a:solidFill>
@@ -7177,10 +7024,9 @@
           <a:p>
             <a:pPr algn="ctr"/>
             <a:r>
-              <a:rPr lang="ru-RU" sz="2800" i="1" dirty="0" smtClean="0"/>
+              <a:rPr lang="ru-RU" sz="2800" i="1" dirty="0"/>
               <a:t>Реализуем «Игру в кости» </a:t>
             </a:r>
-            <a:endParaRPr lang="ru-RU" sz="2800" i="1" dirty="0"/>
           </a:p>
         </p:txBody>
       </p:sp>

--- a/lesson23.pptx
+++ b/lesson23.pptx
@@ -221,7 +221,7 @@
             <a:fld id="{85522811-C5C6-42D2-A409-F8556720C93F}" type="datetimeFigureOut">
               <a:rPr lang="uk-UA" smtClean="0"/>
               <a:pPr/>
-              <a:t>30.11.2020</a:t>
+              <a:t>01.12.2020</a:t>
             </a:fld>
             <a:endParaRPr lang="uk-UA" dirty="0"/>
           </a:p>
@@ -766,7 +766,7 @@
             <a:fld id="{0A2E6AC4-C3FE-4E70-88D1-136405B25267}" type="datetime1">
               <a:rPr lang="uk-UA" smtClean="0"/>
               <a:pPr/>
-              <a:t>30.11.2020</a:t>
+              <a:t>01.12.2020</a:t>
             </a:fld>
             <a:endParaRPr lang="uk-UA" dirty="0"/>
           </a:p>
@@ -933,7 +933,7 @@
             <a:fld id="{B4D85949-5AE9-41F1-B18C-DA1006B0E8CC}" type="datetime1">
               <a:rPr lang="uk-UA" smtClean="0"/>
               <a:pPr/>
-              <a:t>30.11.2020</a:t>
+              <a:t>01.12.2020</a:t>
             </a:fld>
             <a:endParaRPr lang="uk-UA" dirty="0"/>
           </a:p>
@@ -1110,7 +1110,7 @@
             <a:fld id="{B20C227C-94C5-4BA1-A89C-1C7570144B22}" type="datetime1">
               <a:rPr lang="uk-UA" smtClean="0"/>
               <a:pPr/>
-              <a:t>30.11.2020</a:t>
+              <a:t>01.12.2020</a:t>
             </a:fld>
             <a:endParaRPr lang="uk-UA" dirty="0"/>
           </a:p>
@@ -1277,7 +1277,7 @@
             <a:fld id="{68E2E168-B245-4D8D-8538-B29990DBF87B}" type="datetime1">
               <a:rPr lang="uk-UA" smtClean="0"/>
               <a:pPr/>
-              <a:t>30.11.2020</a:t>
+              <a:t>01.12.2020</a:t>
             </a:fld>
             <a:endParaRPr lang="uk-UA" dirty="0"/>
           </a:p>
@@ -1520,7 +1520,7 @@
             <a:fld id="{356DAF6E-7007-4E61-B36E-794BF232B234}" type="datetime1">
               <a:rPr lang="uk-UA" smtClean="0"/>
               <a:pPr/>
-              <a:t>30.11.2020</a:t>
+              <a:t>01.12.2020</a:t>
             </a:fld>
             <a:endParaRPr lang="uk-UA" dirty="0"/>
           </a:p>
@@ -1805,7 +1805,7 @@
             <a:fld id="{4B2141DD-FE72-44AA-B946-B70892F1F5B7}" type="datetime1">
               <a:rPr lang="uk-UA" smtClean="0"/>
               <a:pPr/>
-              <a:t>30.11.2020</a:t>
+              <a:t>01.12.2020</a:t>
             </a:fld>
             <a:endParaRPr lang="uk-UA" dirty="0"/>
           </a:p>
@@ -2224,7 +2224,7 @@
             <a:fld id="{D1C4DC7C-6CC4-4D1F-A21B-A650800E0532}" type="datetime1">
               <a:rPr lang="uk-UA" smtClean="0"/>
               <a:pPr/>
-              <a:t>30.11.2020</a:t>
+              <a:t>01.12.2020</a:t>
             </a:fld>
             <a:endParaRPr lang="uk-UA" dirty="0"/>
           </a:p>
@@ -2339,7 +2339,7 @@
             <a:fld id="{09E753FA-BE70-4E9D-A1A2-A798C2E22C2C}" type="datetime1">
               <a:rPr lang="uk-UA" smtClean="0"/>
               <a:pPr/>
-              <a:t>30.11.2020</a:t>
+              <a:t>01.12.2020</a:t>
             </a:fld>
             <a:endParaRPr lang="uk-UA" dirty="0"/>
           </a:p>
@@ -2431,7 +2431,7 @@
             <a:fld id="{BC4E9D1B-A194-48C6-B5A1-4C29D0F81227}" type="datetime1">
               <a:rPr lang="uk-UA" smtClean="0"/>
               <a:pPr/>
-              <a:t>30.11.2020</a:t>
+              <a:t>01.12.2020</a:t>
             </a:fld>
             <a:endParaRPr lang="uk-UA" dirty="0"/>
           </a:p>
@@ -2705,7 +2705,7 @@
             <a:fld id="{98DC5B78-3AEE-4E8C-84A2-DF8B252C6B7D}" type="datetime1">
               <a:rPr lang="uk-UA" smtClean="0"/>
               <a:pPr/>
-              <a:t>30.11.2020</a:t>
+              <a:t>01.12.2020</a:t>
             </a:fld>
             <a:endParaRPr lang="uk-UA" dirty="0"/>
           </a:p>
@@ -2955,7 +2955,7 @@
             <a:fld id="{08E6AC05-7690-4D29-B090-15CFA8055B58}" type="datetime1">
               <a:rPr lang="uk-UA" smtClean="0"/>
               <a:pPr/>
-              <a:t>30.11.2020</a:t>
+              <a:t>01.12.2020</a:t>
             </a:fld>
             <a:endParaRPr lang="uk-UA" dirty="0"/>
           </a:p>
@@ -3165,7 +3165,7 @@
             <a:fld id="{C4778AB5-85A2-4D58-9351-A198925B541D}" type="datetime1">
               <a:rPr lang="uk-UA" smtClean="0"/>
               <a:pPr/>
-              <a:t>30.11.2020</a:t>
+              <a:t>01.12.2020</a:t>
             </a:fld>
             <a:endParaRPr lang="uk-UA" dirty="0"/>
           </a:p>
@@ -4421,6 +4421,10 @@
               </a:rPr>
               <a:t>тремя шкалами </a:t>
             </a:r>
+            <a:r>
+              <a:rPr lang="en-US" sz="2800" b="1" dirty="0"/>
+              <a:t/>
+            </a:r>
             <a:br>
               <a:rPr lang="en-US" sz="2800" b="1" dirty="0"/>
             </a:br>
@@ -5122,7 +5126,7 @@
           <a:lstStyle/>
           <a:p>
             <a:r>
-              <a:rPr lang="en-US" sz="3200" b="1" dirty="0" err="1">
+              <a:rPr lang="en-US" sz="3200" b="1" smtClean="0">
                 <a:solidFill>
                   <a:schemeClr val="accent6">
                     <a:lumMod val="75000"/>
@@ -5131,7 +5135,7 @@
                 <a:latin typeface="Courier New" panose="02070309020205020404" pitchFamily="49" charset="0"/>
                 <a:cs typeface="Courier New" panose="02070309020205020404" pitchFamily="49" charset="0"/>
               </a:rPr>
-              <a:t>documeznt.querySelectorAll</a:t>
+              <a:t>document.querySelectorAll</a:t>
             </a:r>
             <a:r>
               <a:rPr lang="en-US" sz="3200" b="1" dirty="0">
